--- a/ScreenTale/Projektmanagement/Projekt Präsentationen/ScreenTale Zwischenpräsentation _14_02_2024.pptx
+++ b/ScreenTale/Projektmanagement/Projekt Präsentationen/ScreenTale Zwischenpräsentation _14_02_2024.pptx
@@ -9,11 +9,10 @@
     <p:sldId id="257" r:id="rId3"/>
     <p:sldId id="264" r:id="rId4"/>
     <p:sldId id="258" r:id="rId5"/>
-    <p:sldId id="259" r:id="rId6"/>
-    <p:sldId id="260" r:id="rId7"/>
-    <p:sldId id="261" r:id="rId8"/>
-    <p:sldId id="262" r:id="rId9"/>
-    <p:sldId id="263" r:id="rId10"/>
+    <p:sldId id="261" r:id="rId6"/>
+    <p:sldId id="262" r:id="rId7"/>
+    <p:sldId id="265" r:id="rId8"/>
+    <p:sldId id="263" r:id="rId9"/>
   </p:sldIdLst>
   <p:sldSz cx="12192000" cy="6858000"/>
   <p:notesSz cx="6858000" cy="9144000"/>
@@ -468,7 +467,7 @@
           <a:p>
             <a:fld id="{3CADBD16-5BFB-4D9F-9646-C75D1B53BBB6}" type="datetimeFigureOut">
               <a:rPr lang="en-US" smtClean="0"/>
-              <a:t>12/19/2023</a:t>
+              <a:t>2/14/2024</a:t>
             </a:fld>
             <a:endParaRPr lang="en-US"/>
           </a:p>
@@ -709,7 +708,7 @@
           <a:p>
             <a:fld id="{3CADBD16-5BFB-4D9F-9646-C75D1B53BBB6}" type="datetimeFigureOut">
               <a:rPr lang="en-US" smtClean="0"/>
-              <a:t>12/19/2023</a:t>
+              <a:t>2/14/2024</a:t>
             </a:fld>
             <a:endParaRPr lang="en-US"/>
           </a:p>
@@ -917,7 +916,7 @@
           <a:p>
             <a:fld id="{3CADBD16-5BFB-4D9F-9646-C75D1B53BBB6}" type="datetimeFigureOut">
               <a:rPr lang="en-US" smtClean="0"/>
-              <a:t>12/19/2023</a:t>
+              <a:t>2/14/2024</a:t>
             </a:fld>
             <a:endParaRPr lang="en-US"/>
           </a:p>
@@ -1115,7 +1114,7 @@
           <a:p>
             <a:fld id="{3CADBD16-5BFB-4D9F-9646-C75D1B53BBB6}" type="datetimeFigureOut">
               <a:rPr lang="en-US" smtClean="0"/>
-              <a:t>12/19/2023</a:t>
+              <a:t>2/14/2024</a:t>
             </a:fld>
             <a:endParaRPr lang="en-US"/>
           </a:p>
@@ -1392,7 +1391,7 @@
           <a:p>
             <a:fld id="{3CADBD16-5BFB-4D9F-9646-C75D1B53BBB6}" type="datetimeFigureOut">
               <a:rPr lang="en-US" smtClean="0"/>
-              <a:t>12/19/2023</a:t>
+              <a:t>2/14/2024</a:t>
             </a:fld>
             <a:endParaRPr lang="en-US"/>
           </a:p>
@@ -1657,7 +1656,7 @@
           <a:p>
             <a:fld id="{3CADBD16-5BFB-4D9F-9646-C75D1B53BBB6}" type="datetimeFigureOut">
               <a:rPr lang="en-US" smtClean="0"/>
-              <a:t>12/19/2023</a:t>
+              <a:t>2/14/2024</a:t>
             </a:fld>
             <a:endParaRPr lang="en-US"/>
           </a:p>
@@ -2073,7 +2072,7 @@
           <a:p>
             <a:fld id="{3CADBD16-5BFB-4D9F-9646-C75D1B53BBB6}" type="datetimeFigureOut">
               <a:rPr lang="en-US" smtClean="0"/>
-              <a:t>12/19/2023</a:t>
+              <a:t>2/14/2024</a:t>
             </a:fld>
             <a:endParaRPr lang="en-US"/>
           </a:p>
@@ -2223,7 +2222,7 @@
           <a:p>
             <a:fld id="{3CADBD16-5BFB-4D9F-9646-C75D1B53BBB6}" type="datetimeFigureOut">
               <a:rPr lang="en-US" smtClean="0"/>
-              <a:t>12/19/2023</a:t>
+              <a:t>2/14/2024</a:t>
             </a:fld>
             <a:endParaRPr lang="en-US"/>
           </a:p>
@@ -2336,7 +2335,7 @@
           <a:p>
             <a:fld id="{3CADBD16-5BFB-4D9F-9646-C75D1B53BBB6}" type="datetimeFigureOut">
               <a:rPr lang="en-US" smtClean="0"/>
-              <a:t>12/19/2023</a:t>
+              <a:t>2/14/2024</a:t>
             </a:fld>
             <a:endParaRPr lang="en-US"/>
           </a:p>
@@ -2652,7 +2651,7 @@
           <a:p>
             <a:fld id="{3CADBD16-5BFB-4D9F-9646-C75D1B53BBB6}" type="datetimeFigureOut">
               <a:rPr lang="en-US" smtClean="0"/>
-              <a:t>12/19/2023</a:t>
+              <a:t>2/14/2024</a:t>
             </a:fld>
             <a:endParaRPr lang="en-US"/>
           </a:p>
@@ -2903,7 +2902,7 @@
           <a:p>
             <a:fld id="{3CADBD16-5BFB-4D9F-9646-C75D1B53BBB6}" type="datetimeFigureOut">
               <a:rPr lang="en-US" smtClean="0"/>
-              <a:t>12/19/2023</a:t>
+              <a:t>2/14/2024</a:t>
             </a:fld>
             <a:endParaRPr lang="en-US"/>
           </a:p>
@@ -3412,7 +3411,7 @@
             <a:fld id="{3CADBD16-5BFB-4D9F-9646-C75D1B53BBB6}" type="datetimeFigureOut">
               <a:rPr lang="en-US" smtClean="0"/>
               <a:pPr/>
-              <a:t>12/19/2023</a:t>
+              <a:t>2/14/2024</a:t>
             </a:fld>
             <a:endParaRPr lang="en-US" dirty="0"/>
           </a:p>
@@ -4517,19 +4516,7 @@
           <a:p>
             <a:r>
               <a:rPr lang="de-DE" dirty="0"/>
-              <a:t>Projektidee</a:t>
-            </a:r>
-          </a:p>
-          <a:p>
-            <a:r>
-              <a:rPr lang="de-DE" dirty="0"/>
-              <a:t>Framework</a:t>
-            </a:r>
-          </a:p>
-          <a:p>
-            <a:r>
-              <a:rPr lang="de-DE" dirty="0"/>
-              <a:t>APIs</a:t>
+              <a:t>Zuständigkeiten</a:t>
             </a:r>
           </a:p>
           <a:p>
@@ -4540,10 +4527,15 @@
           </a:p>
           <a:p>
             <a:r>
-              <a:rPr lang="de-DE"/>
+              <a:rPr lang="de-DE" dirty="0"/>
+              <a:t>Erfolge / Herausforderungen</a:t>
+            </a:r>
+          </a:p>
+          <a:p>
+            <a:r>
+              <a:rPr lang="de-DE" dirty="0"/>
               <a:t>Nächste Schritte</a:t>
             </a:r>
-            <a:endParaRPr lang="de-DE" dirty="0"/>
           </a:p>
         </p:txBody>
       </p:sp>
@@ -4852,63 +4844,127 @@
           <a:p>
             <a:r>
               <a:rPr lang="de-DE" dirty="0"/>
-              <a:t>Projektidee</a:t>
-            </a:r>
-          </a:p>
-        </p:txBody>
-      </p:sp>
-      <p:sp>
-        <p:nvSpPr>
-          <p:cNvPr id="3" name="Inhaltsplatzhalter 2">
-            <a:extLst>
-              <a:ext uri="{FF2B5EF4-FFF2-40B4-BE49-F238E27FC236}">
-                <a16:creationId xmlns:a16="http://schemas.microsoft.com/office/drawing/2014/main" id="{39E0B33E-A816-7317-B9B9-4474E367D845}"/>
-              </a:ext>
-            </a:extLst>
-          </p:cNvPr>
-          <p:cNvSpPr>
-            <a:spLocks noGrp="1"/>
-          </p:cNvSpPr>
-          <p:nvPr>
-            <p:ph idx="1"/>
-          </p:nvPr>
+              <a:t>Zuständigkeiten</a:t>
+            </a:r>
+          </a:p>
+        </p:txBody>
+      </p:sp>
+      <p:sp>
+        <p:nvSpPr>
+          <p:cNvPr id="4" name="Textfeld 3">
+            <a:extLst>
+              <a:ext uri="{FF2B5EF4-FFF2-40B4-BE49-F238E27FC236}">
+                <a16:creationId xmlns:a16="http://schemas.microsoft.com/office/drawing/2014/main" id="{F7D0BA01-7C65-EB6F-4AA5-0A895432BA14}"/>
+              </a:ext>
+            </a:extLst>
+          </p:cNvPr>
+          <p:cNvSpPr txBox="1"/>
+          <p:nvPr/>
         </p:nvSpPr>
         <p:spPr>
           <a:xfrm>
-            <a:off x="1143000" y="2117271"/>
-            <a:ext cx="9905999" cy="3781873"/>
+            <a:off x="1589316" y="2280557"/>
+            <a:ext cx="3913414" cy="1323439"/>
           </a:xfrm>
+          <a:prstGeom prst="rect">
+            <a:avLst/>
+          </a:prstGeom>
+          <a:noFill/>
         </p:spPr>
         <p:txBody>
-          <a:bodyPr>
-            <a:normAutofit/>
+          <a:bodyPr wrap="square" rtlCol="0">
+            <a:spAutoFit/>
           </a:bodyPr>
           <a:lstStyle/>
           <a:p>
             <a:r>
-              <a:rPr lang="de-DE" dirty="0"/>
-              <a:t>Benutzer können ihre Filme, TV-Serien, Bücher in einer einzigen Anwendung verwalten.</a:t>
-            </a:r>
-          </a:p>
-          <a:p>
-            <a:endParaRPr lang="de-DE" dirty="0"/>
-          </a:p>
-          <a:p>
-            <a:r>
-              <a:rPr lang="de-DE" dirty="0"/>
-              <a:t>Eine benutzerfreundliche und ansprechende Oberfläche erleichtert die Navigation und Nutzung der Anwendung.</a:t>
-            </a:r>
-          </a:p>
-          <a:p>
-            <a:pPr marL="0" indent="0">
-              <a:buNone/>
+              <a:rPr lang="de-DE" sz="2000" dirty="0"/>
+              <a:t>Laurin:</a:t>
+            </a:r>
+          </a:p>
+          <a:p>
+            <a:pPr marL="342900" indent="-342900">
+              <a:buFont typeface="Arial" panose="020B0604020202020204" pitchFamily="34" charset="0"/>
+              <a:buChar char="•"/>
             </a:pPr>
-            <a:endParaRPr lang="de-DE" dirty="0"/>
-          </a:p>
-          <a:p>
-            <a:r>
-              <a:rPr lang="de-DE" dirty="0"/>
-              <a:t>(Empfehlungssystem)</a:t>
+            <a:r>
+              <a:rPr lang="de-DE" sz="2000" dirty="0"/>
+              <a:t>Anbindung der APIs</a:t>
+            </a:r>
+          </a:p>
+          <a:p>
+            <a:pPr marL="342900" indent="-342900">
+              <a:buFont typeface="Arial" panose="020B0604020202020204" pitchFamily="34" charset="0"/>
+              <a:buChar char="•"/>
+            </a:pPr>
+            <a:r>
+              <a:rPr lang="de-DE" sz="2000" dirty="0"/>
+              <a:t>Speicherung in Datenbank</a:t>
+            </a:r>
+          </a:p>
+          <a:p>
+            <a:pPr marL="342900" indent="-342900">
+              <a:buFont typeface="Arial" panose="020B0604020202020204" pitchFamily="34" charset="0"/>
+              <a:buChar char="•"/>
+            </a:pPr>
+            <a:r>
+              <a:rPr lang="de-DE" sz="2000" dirty="0"/>
+              <a:t>Design</a:t>
+            </a:r>
+          </a:p>
+        </p:txBody>
+      </p:sp>
+      <p:sp>
+        <p:nvSpPr>
+          <p:cNvPr id="5" name="Textfeld 4">
+            <a:extLst>
+              <a:ext uri="{FF2B5EF4-FFF2-40B4-BE49-F238E27FC236}">
+                <a16:creationId xmlns:a16="http://schemas.microsoft.com/office/drawing/2014/main" id="{45138DA0-FF16-B7F5-F24F-74D2CD9663E2}"/>
+              </a:ext>
+            </a:extLst>
+          </p:cNvPr>
+          <p:cNvSpPr txBox="1"/>
+          <p:nvPr/>
+        </p:nvSpPr>
+        <p:spPr>
+          <a:xfrm>
+            <a:off x="6095999" y="2280557"/>
+            <a:ext cx="3810000" cy="1015663"/>
+          </a:xfrm>
+          <a:prstGeom prst="rect">
+            <a:avLst/>
+          </a:prstGeom>
+          <a:noFill/>
+        </p:spPr>
+        <p:txBody>
+          <a:bodyPr wrap="square" rtlCol="0">
+            <a:spAutoFit/>
+          </a:bodyPr>
+          <a:lstStyle/>
+          <a:p>
+            <a:r>
+              <a:rPr lang="de-DE" sz="2000" dirty="0"/>
+              <a:t>Sven:</a:t>
+            </a:r>
+          </a:p>
+          <a:p>
+            <a:pPr marL="342900" indent="-342900">
+              <a:buFont typeface="Arial" panose="020B0604020202020204" pitchFamily="34" charset="0"/>
+              <a:buChar char="•"/>
+            </a:pPr>
+            <a:r>
+              <a:rPr lang="de-DE" sz="2000" dirty="0"/>
+              <a:t>Visualisieren der Inhalte</a:t>
+            </a:r>
+          </a:p>
+          <a:p>
+            <a:pPr marL="342900" indent="-342900">
+              <a:buFont typeface="Arial" panose="020B0604020202020204" pitchFamily="34" charset="0"/>
+              <a:buChar char="•"/>
+            </a:pPr>
+            <a:r>
+              <a:rPr lang="de-DE" sz="2000" dirty="0"/>
+              <a:t>Design</a:t>
             </a:r>
           </a:p>
         </p:txBody>
@@ -4953,10 +5009,10 @@
       </p:grpSpPr>
       <p:sp useBgFill="1">
         <p:nvSpPr>
-          <p:cNvPr id="1044" name="Rectangle 1043">
-            <a:extLst>
-              <a:ext uri="{FF2B5EF4-FFF2-40B4-BE49-F238E27FC236}">
-                <a16:creationId xmlns:a16="http://schemas.microsoft.com/office/drawing/2014/main" id="{FA294778-47A8-4EEF-9689-F6964D44D176}"/>
+          <p:cNvPr id="19" name="Rectangle 16">
+            <a:extLst>
+              <a:ext uri="{FF2B5EF4-FFF2-40B4-BE49-F238E27FC236}">
+                <a16:creationId xmlns:a16="http://schemas.microsoft.com/office/drawing/2014/main" id="{685B57F6-59DE-4274-A37C-F47FE4E42EEF}"/>
               </a:ext>
               <a:ext uri="{C183D7F6-B498-43B3-948B-1728B52AA6E4}">
                 <adec:decorative xmlns:adec="http://schemas.microsoft.com/office/drawing/2017/decorative" val="1"/>
@@ -5029,1202 +5085,6 @@
       </p:sp>
       <p:sp>
         <p:nvSpPr>
-          <p:cNvPr id="1046" name="Freeform: Shape 1045">
-            <a:extLst>
-              <a:ext uri="{FF2B5EF4-FFF2-40B4-BE49-F238E27FC236}">
-                <a16:creationId xmlns:a16="http://schemas.microsoft.com/office/drawing/2014/main" id="{BD2A511A-065F-489D-9CF0-FEF36143ACD1}"/>
-              </a:ext>
-              <a:ext uri="{C183D7F6-B498-43B3-948B-1728B52AA6E4}">
-                <adec:decorative xmlns:adec="http://schemas.microsoft.com/office/drawing/2017/decorative" val="1"/>
-              </a:ext>
-            </a:extLst>
-          </p:cNvPr>
-          <p:cNvSpPr>
-            <a:spLocks noGrp="1" noRot="1" noChangeAspect="1" noMove="1" noResize="1" noEditPoints="1" noAdjustHandles="1" noChangeArrowheads="1" noChangeShapeType="1" noTextEdit="1"/>
-          </p:cNvSpPr>
-          <p:nvPr>
-            <p:extLst>
-              <p:ext uri="{386F3935-93C4-4BCD-93E2-E3B085C9AB24}">
-                <p16:designElem xmlns:p16="http://schemas.microsoft.com/office/powerpoint/2015/main" val="1"/>
-              </p:ext>
-            </p:extLst>
-          </p:nvPr>
-        </p:nvSpPr>
-        <p:spPr>
-          <a:xfrm rot="10800000" flipH="1" flipV="1">
-            <a:off x="5318060" y="0"/>
-            <a:ext cx="6885325" cy="6858000"/>
-          </a:xfrm>
-          <a:custGeom>
-            <a:avLst/>
-            <a:gdLst>
-              <a:gd name="connsiteX0" fmla="*/ 4456883 w 6885325"/>
-              <a:gd name="connsiteY0" fmla="*/ 6858000 h 6858000"/>
-              <a:gd name="connsiteX1" fmla="*/ 0 w 6885325"/>
-              <a:gd name="connsiteY1" fmla="*/ 6858000 h 6858000"/>
-              <a:gd name="connsiteX2" fmla="*/ 6010592 w 6885325"/>
-              <a:gd name="connsiteY2" fmla="*/ 0 h 6858000"/>
-              <a:gd name="connsiteX3" fmla="*/ 6885325 w 6885325"/>
-              <a:gd name="connsiteY3" fmla="*/ 0 h 6858000"/>
-              <a:gd name="connsiteX4" fmla="*/ 6885325 w 6885325"/>
-              <a:gd name="connsiteY4" fmla="*/ 1545581 h 6858000"/>
-              <a:gd name="connsiteX5" fmla="*/ 6885324 w 6885325"/>
-              <a:gd name="connsiteY5" fmla="*/ 1545582 h 6858000"/>
-              <a:gd name="connsiteX6" fmla="*/ 6885324 w 6885325"/>
-              <a:gd name="connsiteY6" fmla="*/ 4070877 h 6858000"/>
-              <a:gd name="connsiteX7" fmla="*/ 6885325 w 6885325"/>
-              <a:gd name="connsiteY7" fmla="*/ 4070876 h 6858000"/>
-              <a:gd name="connsiteX8" fmla="*/ 6885325 w 6885325"/>
-              <a:gd name="connsiteY8" fmla="*/ 6857999 h 6858000"/>
-              <a:gd name="connsiteX9" fmla="*/ 4456884 w 6885325"/>
-              <a:gd name="connsiteY9" fmla="*/ 6857999 h 6858000"/>
-              <a:gd name="connsiteX0" fmla="*/ 4456884 w 6885325"/>
-              <a:gd name="connsiteY0" fmla="*/ 6857999 h 6858000"/>
-              <a:gd name="connsiteX1" fmla="*/ 0 w 6885325"/>
-              <a:gd name="connsiteY1" fmla="*/ 6858000 h 6858000"/>
-              <a:gd name="connsiteX2" fmla="*/ 6010592 w 6885325"/>
-              <a:gd name="connsiteY2" fmla="*/ 0 h 6858000"/>
-              <a:gd name="connsiteX3" fmla="*/ 6885325 w 6885325"/>
-              <a:gd name="connsiteY3" fmla="*/ 0 h 6858000"/>
-              <a:gd name="connsiteX4" fmla="*/ 6885325 w 6885325"/>
-              <a:gd name="connsiteY4" fmla="*/ 1545581 h 6858000"/>
-              <a:gd name="connsiteX5" fmla="*/ 6885324 w 6885325"/>
-              <a:gd name="connsiteY5" fmla="*/ 1545582 h 6858000"/>
-              <a:gd name="connsiteX6" fmla="*/ 6885324 w 6885325"/>
-              <a:gd name="connsiteY6" fmla="*/ 4070877 h 6858000"/>
-              <a:gd name="connsiteX7" fmla="*/ 6885325 w 6885325"/>
-              <a:gd name="connsiteY7" fmla="*/ 4070876 h 6858000"/>
-              <a:gd name="connsiteX8" fmla="*/ 6885325 w 6885325"/>
-              <a:gd name="connsiteY8" fmla="*/ 6857999 h 6858000"/>
-              <a:gd name="connsiteX9" fmla="*/ 4456884 w 6885325"/>
-              <a:gd name="connsiteY9" fmla="*/ 6857999 h 6858000"/>
-              <a:gd name="connsiteX0" fmla="*/ 6885325 w 6885325"/>
-              <a:gd name="connsiteY0" fmla="*/ 6857999 h 6858000"/>
-              <a:gd name="connsiteX1" fmla="*/ 0 w 6885325"/>
-              <a:gd name="connsiteY1" fmla="*/ 6858000 h 6858000"/>
-              <a:gd name="connsiteX2" fmla="*/ 6010592 w 6885325"/>
-              <a:gd name="connsiteY2" fmla="*/ 0 h 6858000"/>
-              <a:gd name="connsiteX3" fmla="*/ 6885325 w 6885325"/>
-              <a:gd name="connsiteY3" fmla="*/ 0 h 6858000"/>
-              <a:gd name="connsiteX4" fmla="*/ 6885325 w 6885325"/>
-              <a:gd name="connsiteY4" fmla="*/ 1545581 h 6858000"/>
-              <a:gd name="connsiteX5" fmla="*/ 6885324 w 6885325"/>
-              <a:gd name="connsiteY5" fmla="*/ 1545582 h 6858000"/>
-              <a:gd name="connsiteX6" fmla="*/ 6885324 w 6885325"/>
-              <a:gd name="connsiteY6" fmla="*/ 4070877 h 6858000"/>
-              <a:gd name="connsiteX7" fmla="*/ 6885325 w 6885325"/>
-              <a:gd name="connsiteY7" fmla="*/ 4070876 h 6858000"/>
-              <a:gd name="connsiteX8" fmla="*/ 6885325 w 6885325"/>
-              <a:gd name="connsiteY8" fmla="*/ 6857999 h 6858000"/>
-              <a:gd name="connsiteX0" fmla="*/ 6885325 w 6885325"/>
-              <a:gd name="connsiteY0" fmla="*/ 6857999 h 6858000"/>
-              <a:gd name="connsiteX1" fmla="*/ 0 w 6885325"/>
-              <a:gd name="connsiteY1" fmla="*/ 6858000 h 6858000"/>
-              <a:gd name="connsiteX2" fmla="*/ 6010592 w 6885325"/>
-              <a:gd name="connsiteY2" fmla="*/ 0 h 6858000"/>
-              <a:gd name="connsiteX3" fmla="*/ 6885325 w 6885325"/>
-              <a:gd name="connsiteY3" fmla="*/ 0 h 6858000"/>
-              <a:gd name="connsiteX4" fmla="*/ 6885325 w 6885325"/>
-              <a:gd name="connsiteY4" fmla="*/ 1545581 h 6858000"/>
-              <a:gd name="connsiteX5" fmla="*/ 6885324 w 6885325"/>
-              <a:gd name="connsiteY5" fmla="*/ 1545582 h 6858000"/>
-              <a:gd name="connsiteX6" fmla="*/ 6885324 w 6885325"/>
-              <a:gd name="connsiteY6" fmla="*/ 4070877 h 6858000"/>
-              <a:gd name="connsiteX7" fmla="*/ 6885325 w 6885325"/>
-              <a:gd name="connsiteY7" fmla="*/ 6857999 h 6858000"/>
-              <a:gd name="connsiteX0" fmla="*/ 6885325 w 6885325"/>
-              <a:gd name="connsiteY0" fmla="*/ 6857999 h 6858000"/>
-              <a:gd name="connsiteX1" fmla="*/ 0 w 6885325"/>
-              <a:gd name="connsiteY1" fmla="*/ 6858000 h 6858000"/>
-              <a:gd name="connsiteX2" fmla="*/ 6010592 w 6885325"/>
-              <a:gd name="connsiteY2" fmla="*/ 0 h 6858000"/>
-              <a:gd name="connsiteX3" fmla="*/ 6885325 w 6885325"/>
-              <a:gd name="connsiteY3" fmla="*/ 0 h 6858000"/>
-              <a:gd name="connsiteX4" fmla="*/ 6885325 w 6885325"/>
-              <a:gd name="connsiteY4" fmla="*/ 1545581 h 6858000"/>
-              <a:gd name="connsiteX5" fmla="*/ 6885324 w 6885325"/>
-              <a:gd name="connsiteY5" fmla="*/ 1545582 h 6858000"/>
-              <a:gd name="connsiteX6" fmla="*/ 6885325 w 6885325"/>
-              <a:gd name="connsiteY6" fmla="*/ 6857999 h 6858000"/>
-              <a:gd name="connsiteX0" fmla="*/ 6885325 w 6885325"/>
-              <a:gd name="connsiteY0" fmla="*/ 6857999 h 6858000"/>
-              <a:gd name="connsiteX1" fmla="*/ 0 w 6885325"/>
-              <a:gd name="connsiteY1" fmla="*/ 6858000 h 6858000"/>
-              <a:gd name="connsiteX2" fmla="*/ 6010592 w 6885325"/>
-              <a:gd name="connsiteY2" fmla="*/ 0 h 6858000"/>
-              <a:gd name="connsiteX3" fmla="*/ 6885325 w 6885325"/>
-              <a:gd name="connsiteY3" fmla="*/ 0 h 6858000"/>
-              <a:gd name="connsiteX4" fmla="*/ 6885325 w 6885325"/>
-              <a:gd name="connsiteY4" fmla="*/ 1545581 h 6858000"/>
-              <a:gd name="connsiteX5" fmla="*/ 6885325 w 6885325"/>
-              <a:gd name="connsiteY5" fmla="*/ 6857999 h 6858000"/>
-              <a:gd name="connsiteX0" fmla="*/ 6885325 w 6885325"/>
-              <a:gd name="connsiteY0" fmla="*/ 6857999 h 6858000"/>
-              <a:gd name="connsiteX1" fmla="*/ 0 w 6885325"/>
-              <a:gd name="connsiteY1" fmla="*/ 6858000 h 6858000"/>
-              <a:gd name="connsiteX2" fmla="*/ 6010592 w 6885325"/>
-              <a:gd name="connsiteY2" fmla="*/ 0 h 6858000"/>
-              <a:gd name="connsiteX3" fmla="*/ 6885325 w 6885325"/>
-              <a:gd name="connsiteY3" fmla="*/ 0 h 6858000"/>
-              <a:gd name="connsiteX4" fmla="*/ 6885325 w 6885325"/>
-              <a:gd name="connsiteY4" fmla="*/ 6857999 h 6858000"/>
-            </a:gdLst>
-            <a:ahLst/>
-            <a:cxnLst>
-              <a:cxn ang="0">
-                <a:pos x="connsiteX0" y="connsiteY0"/>
-              </a:cxn>
-              <a:cxn ang="0">
-                <a:pos x="connsiteX1" y="connsiteY1"/>
-              </a:cxn>
-              <a:cxn ang="0">
-                <a:pos x="connsiteX2" y="connsiteY2"/>
-              </a:cxn>
-              <a:cxn ang="0">
-                <a:pos x="connsiteX3" y="connsiteY3"/>
-              </a:cxn>
-              <a:cxn ang="0">
-                <a:pos x="connsiteX4" y="connsiteY4"/>
-              </a:cxn>
-            </a:cxnLst>
-            <a:rect l="l" t="t" r="r" b="b"/>
-            <a:pathLst>
-              <a:path w="6885325" h="6858000">
-                <a:moveTo>
-                  <a:pt x="6885325" y="6857999"/>
-                </a:moveTo>
-                <a:lnTo>
-                  <a:pt x="0" y="6858000"/>
-                </a:lnTo>
-                <a:lnTo>
-                  <a:pt x="6010592" y="0"/>
-                </a:lnTo>
-                <a:lnTo>
-                  <a:pt x="6885325" y="0"/>
-                </a:lnTo>
-                <a:lnTo>
-                  <a:pt x="6885325" y="6857999"/>
-                </a:lnTo>
-                <a:close/>
-              </a:path>
-            </a:pathLst>
-          </a:custGeom>
-          <a:solidFill>
-            <a:srgbClr val="FFFFFF"/>
-          </a:solidFill>
-          <a:ln w="12700" cap="flat" cmpd="sng" algn="ctr">
-            <a:noFill/>
-            <a:prstDash val="solid"/>
-            <a:miter lim="800000"/>
-          </a:ln>
-          <a:effectLst/>
-        </p:spPr>
-        <p:style>
-          <a:lnRef idx="2">
-            <a:schemeClr val="accent1">
-              <a:shade val="50000"/>
-            </a:schemeClr>
-          </a:lnRef>
-          <a:fillRef idx="1">
-            <a:schemeClr val="accent1"/>
-          </a:fillRef>
-          <a:effectRef idx="0">
-            <a:schemeClr val="accent1"/>
-          </a:effectRef>
-          <a:fontRef idx="minor">
-            <a:schemeClr val="lt1"/>
-          </a:fontRef>
-        </p:style>
-        <p:txBody>
-          <a:bodyPr wrap="square" rtlCol="0" anchor="ctr">
-            <a:noAutofit/>
-          </a:bodyPr>
-          <a:lstStyle/>
-          <a:p>
-            <a:pPr algn="ctr"/>
-            <a:endParaRPr lang="en-US"/>
-          </a:p>
-        </p:txBody>
-      </p:sp>
-      <p:sp>
-        <p:nvSpPr>
-          <p:cNvPr id="1048" name="Freeform: Shape 1047">
-            <a:extLst>
-              <a:ext uri="{FF2B5EF4-FFF2-40B4-BE49-F238E27FC236}">
-                <a16:creationId xmlns:a16="http://schemas.microsoft.com/office/drawing/2014/main" id="{6F626582-88CC-4CA0-8BC6-94550FF9E6EF}"/>
-              </a:ext>
-              <a:ext uri="{C183D7F6-B498-43B3-948B-1728B52AA6E4}">
-                <adec:decorative xmlns:adec="http://schemas.microsoft.com/office/drawing/2017/decorative" val="1"/>
-              </a:ext>
-            </a:extLst>
-          </p:cNvPr>
-          <p:cNvSpPr>
-            <a:spLocks noGrp="1" noRot="1" noChangeAspect="1" noMove="1" noResize="1" noEditPoints="1" noAdjustHandles="1" noChangeArrowheads="1" noChangeShapeType="1" noTextEdit="1"/>
-          </p:cNvSpPr>
-          <p:nvPr>
-            <p:extLst>
-              <p:ext uri="{386F3935-93C4-4BCD-93E2-E3B085C9AB24}">
-                <p16:designElem xmlns:p16="http://schemas.microsoft.com/office/powerpoint/2015/main" val="1"/>
-              </p:ext>
-            </p:extLst>
-          </p:nvPr>
-        </p:nvSpPr>
-        <p:spPr>
-          <a:xfrm>
-            <a:off x="1" y="0"/>
-            <a:ext cx="11317267" cy="6858000"/>
-          </a:xfrm>
-          <a:custGeom>
-            <a:avLst/>
-            <a:gdLst>
-              <a:gd name="connsiteX0" fmla="*/ 0 w 11317267"/>
-              <a:gd name="connsiteY0" fmla="*/ 0 h 6858000"/>
-              <a:gd name="connsiteX1" fmla="*/ 11317267 w 11317267"/>
-              <a:gd name="connsiteY1" fmla="*/ 0 h 6858000"/>
-              <a:gd name="connsiteX2" fmla="*/ 5306679 w 11317267"/>
-              <a:gd name="connsiteY2" fmla="*/ 6857996 h 6858000"/>
-              <a:gd name="connsiteX3" fmla="*/ 5306677 w 11317267"/>
-              <a:gd name="connsiteY3" fmla="*/ 6857998 h 6858000"/>
-              <a:gd name="connsiteX4" fmla="*/ 5306675 w 11317267"/>
-              <a:gd name="connsiteY4" fmla="*/ 6858000 h 6858000"/>
-              <a:gd name="connsiteX5" fmla="*/ 0 w 11317267"/>
-              <a:gd name="connsiteY5" fmla="*/ 6858000 h 6858000"/>
-            </a:gdLst>
-            <a:ahLst/>
-            <a:cxnLst>
-              <a:cxn ang="0">
-                <a:pos x="connsiteX0" y="connsiteY0"/>
-              </a:cxn>
-              <a:cxn ang="0">
-                <a:pos x="connsiteX1" y="connsiteY1"/>
-              </a:cxn>
-              <a:cxn ang="0">
-                <a:pos x="connsiteX2" y="connsiteY2"/>
-              </a:cxn>
-              <a:cxn ang="0">
-                <a:pos x="connsiteX3" y="connsiteY3"/>
-              </a:cxn>
-              <a:cxn ang="0">
-                <a:pos x="connsiteX4" y="connsiteY4"/>
-              </a:cxn>
-              <a:cxn ang="0">
-                <a:pos x="connsiteX5" y="connsiteY5"/>
-              </a:cxn>
-            </a:cxnLst>
-            <a:rect l="l" t="t" r="r" b="b"/>
-            <a:pathLst>
-              <a:path w="11317267" h="6858000">
-                <a:moveTo>
-                  <a:pt x="0" y="0"/>
-                </a:moveTo>
-                <a:lnTo>
-                  <a:pt x="11317267" y="0"/>
-                </a:lnTo>
-                <a:lnTo>
-                  <a:pt x="5306679" y="6857996"/>
-                </a:lnTo>
-                <a:cubicBezTo>
-                  <a:pt x="5306679" y="6857997"/>
-                  <a:pt x="5306677" y="6857997"/>
-                  <a:pt x="5306677" y="6857998"/>
-                </a:cubicBezTo>
-                <a:lnTo>
-                  <a:pt x="5306675" y="6858000"/>
-                </a:lnTo>
-                <a:lnTo>
-                  <a:pt x="0" y="6858000"/>
-                </a:lnTo>
-                <a:close/>
-              </a:path>
-            </a:pathLst>
-          </a:custGeom>
-          <a:solidFill>
-            <a:schemeClr val="bg2"/>
-          </a:solidFill>
-          <a:ln w="12700" cap="flat" cmpd="sng" algn="ctr">
-            <a:noFill/>
-            <a:prstDash val="solid"/>
-            <a:miter lim="800000"/>
-          </a:ln>
-          <a:effectLst/>
-        </p:spPr>
-        <p:style>
-          <a:lnRef idx="2">
-            <a:schemeClr val="accent1">
-              <a:shade val="50000"/>
-            </a:schemeClr>
-          </a:lnRef>
-          <a:fillRef idx="1">
-            <a:schemeClr val="accent1"/>
-          </a:fillRef>
-          <a:effectRef idx="0">
-            <a:schemeClr val="accent1"/>
-          </a:effectRef>
-          <a:fontRef idx="minor">
-            <a:schemeClr val="lt1"/>
-          </a:fontRef>
-        </p:style>
-        <p:txBody>
-          <a:bodyPr wrap="square" rtlCol="0" anchor="ctr">
-            <a:noAutofit/>
-          </a:bodyPr>
-          <a:lstStyle/>
-          <a:p>
-            <a:pPr algn="ctr"/>
-            <a:endParaRPr lang="en-US"/>
-          </a:p>
-        </p:txBody>
-      </p:sp>
-      <p:sp>
-        <p:nvSpPr>
-          <p:cNvPr id="2" name="Titel 1">
-            <a:extLst>
-              <a:ext uri="{FF2B5EF4-FFF2-40B4-BE49-F238E27FC236}">
-                <a16:creationId xmlns:a16="http://schemas.microsoft.com/office/drawing/2014/main" id="{BBEFC3EA-193E-63B6-B0BC-4A2FC03CFAE6}"/>
-              </a:ext>
-            </a:extLst>
-          </p:cNvPr>
-          <p:cNvSpPr>
-            <a:spLocks noGrp="1"/>
-          </p:cNvSpPr>
-          <p:nvPr>
-            <p:ph type="title"/>
-          </p:nvPr>
-        </p:nvSpPr>
-        <p:spPr>
-          <a:xfrm>
-            <a:off x="1143000" y="872937"/>
-            <a:ext cx="7492285" cy="1360898"/>
-          </a:xfrm>
-        </p:spPr>
-        <p:txBody>
-          <a:bodyPr vert="horz" lIns="91440" tIns="45720" rIns="91440" bIns="45720" rtlCol="0" anchor="ctr">
-            <a:normAutofit/>
-          </a:bodyPr>
-          <a:lstStyle/>
-          <a:p>
-            <a:r>
-              <a:rPr lang="en-US" kern="1200" cap="all" spc="300">
-                <a:solidFill>
-                  <a:schemeClr val="tx1"/>
-                </a:solidFill>
-                <a:latin typeface="+mj-lt"/>
-                <a:ea typeface="+mj-ea"/>
-                <a:cs typeface="+mj-cs"/>
-              </a:rPr>
-              <a:t>Next.js Framework</a:t>
-            </a:r>
-          </a:p>
-        </p:txBody>
-      </p:sp>
-      <p:sp>
-        <p:nvSpPr>
-          <p:cNvPr id="4" name="Inhaltsplatzhalter 2">
-            <a:extLst>
-              <a:ext uri="{FF2B5EF4-FFF2-40B4-BE49-F238E27FC236}">
-                <a16:creationId xmlns:a16="http://schemas.microsoft.com/office/drawing/2014/main" id="{EF7A5C07-BE00-E1C1-D8A4-C08113EEC095}"/>
-              </a:ext>
-            </a:extLst>
-          </p:cNvPr>
-          <p:cNvSpPr txBox="1">
-            <a:spLocks/>
-          </p:cNvSpPr>
-          <p:nvPr/>
-        </p:nvSpPr>
-        <p:spPr>
-          <a:xfrm>
-            <a:off x="1143001" y="2332028"/>
-            <a:ext cx="5115812" cy="3653035"/>
-          </a:xfrm>
-          <a:prstGeom prst="rect">
-            <a:avLst/>
-          </a:prstGeom>
-        </p:spPr>
-        <p:txBody>
-          <a:bodyPr vert="horz" lIns="91440" tIns="45720" rIns="91440" bIns="45720" rtlCol="0">
-            <a:normAutofit/>
-          </a:bodyPr>
-          <a:lstStyle>
-            <a:lvl1pPr marL="228600" indent="-228600" algn="l" defTabSz="914400" rtl="0" eaLnBrk="1" latinLnBrk="0" hangingPunct="1">
-              <a:lnSpc>
-                <a:spcPct val="120000"/>
-              </a:lnSpc>
-              <a:spcBef>
-                <a:spcPts val="1000"/>
-              </a:spcBef>
-              <a:buFont typeface="Arial" panose="020B0604020202020204" pitchFamily="34" charset="0"/>
-              <a:buChar char="•"/>
-              <a:defRPr sz="2000" kern="1200">
-                <a:solidFill>
-                  <a:schemeClr val="tx1"/>
-                </a:solidFill>
-                <a:latin typeface="+mn-lt"/>
-                <a:ea typeface="+mn-ea"/>
-                <a:cs typeface="+mn-cs"/>
-              </a:defRPr>
-            </a:lvl1pPr>
-            <a:lvl2pPr marL="228600" indent="0" algn="l" defTabSz="914400" rtl="0" eaLnBrk="1" latinLnBrk="0" hangingPunct="1">
-              <a:lnSpc>
-                <a:spcPct val="120000"/>
-              </a:lnSpc>
-              <a:spcBef>
-                <a:spcPts val="500"/>
-              </a:spcBef>
-              <a:buFontTx/>
-              <a:buNone/>
-              <a:defRPr sz="1800" i="1" kern="1200">
-                <a:solidFill>
-                  <a:schemeClr val="tx1"/>
-                </a:solidFill>
-                <a:latin typeface="+mn-lt"/>
-                <a:ea typeface="+mn-ea"/>
-                <a:cs typeface="+mn-cs"/>
-              </a:defRPr>
-            </a:lvl2pPr>
-            <a:lvl3pPr marL="457200" indent="-228600" algn="l" defTabSz="914400" rtl="0" eaLnBrk="1" latinLnBrk="0" hangingPunct="1">
-              <a:lnSpc>
-                <a:spcPct val="120000"/>
-              </a:lnSpc>
-              <a:spcBef>
-                <a:spcPts val="500"/>
-              </a:spcBef>
-              <a:buFont typeface="Arial" panose="020B0604020202020204" pitchFamily="34" charset="0"/>
-              <a:buChar char="•"/>
-              <a:defRPr sz="1600" kern="1200">
-                <a:solidFill>
-                  <a:schemeClr val="tx1"/>
-                </a:solidFill>
-                <a:latin typeface="+mn-lt"/>
-                <a:ea typeface="+mn-ea"/>
-                <a:cs typeface="+mn-cs"/>
-              </a:defRPr>
-            </a:lvl3pPr>
-            <a:lvl4pPr marL="502920" indent="0" algn="l" defTabSz="914400" rtl="0" eaLnBrk="1" latinLnBrk="0" hangingPunct="1">
-              <a:lnSpc>
-                <a:spcPct val="120000"/>
-              </a:lnSpc>
-              <a:spcBef>
-                <a:spcPts val="500"/>
-              </a:spcBef>
-              <a:buFontTx/>
-              <a:buNone/>
-              <a:defRPr sz="1400" i="1" kern="1200">
-                <a:solidFill>
-                  <a:schemeClr val="tx1"/>
-                </a:solidFill>
-                <a:latin typeface="+mn-lt"/>
-                <a:ea typeface="+mn-ea"/>
-                <a:cs typeface="+mn-cs"/>
-              </a:defRPr>
-            </a:lvl4pPr>
-            <a:lvl5pPr marL="731520" indent="-228600" algn="l" defTabSz="914400" rtl="0" eaLnBrk="1" latinLnBrk="0" hangingPunct="1">
-              <a:lnSpc>
-                <a:spcPct val="120000"/>
-              </a:lnSpc>
-              <a:spcBef>
-                <a:spcPts val="500"/>
-              </a:spcBef>
-              <a:buFont typeface="Arial" panose="020B0604020202020204" pitchFamily="34" charset="0"/>
-              <a:buChar char="•"/>
-              <a:defRPr sz="1400" kern="1200">
-                <a:solidFill>
-                  <a:schemeClr val="tx1"/>
-                </a:solidFill>
-                <a:latin typeface="+mn-lt"/>
-                <a:ea typeface="+mn-ea"/>
-                <a:cs typeface="+mn-cs"/>
-              </a:defRPr>
-            </a:lvl5pPr>
-            <a:lvl6pPr marL="2514600" indent="-228600" algn="l" defTabSz="914400" rtl="0" eaLnBrk="1" latinLnBrk="0" hangingPunct="1">
-              <a:lnSpc>
-                <a:spcPct val="90000"/>
-              </a:lnSpc>
-              <a:spcBef>
-                <a:spcPts val="500"/>
-              </a:spcBef>
-              <a:buFont typeface="Arial" panose="020B0604020202020204" pitchFamily="34" charset="0"/>
-              <a:buChar char="•"/>
-              <a:defRPr sz="1800" kern="1200">
-                <a:solidFill>
-                  <a:schemeClr val="tx1"/>
-                </a:solidFill>
-                <a:latin typeface="+mn-lt"/>
-                <a:ea typeface="+mn-ea"/>
-                <a:cs typeface="+mn-cs"/>
-              </a:defRPr>
-            </a:lvl6pPr>
-            <a:lvl7pPr marL="2971800" indent="-228600" algn="l" defTabSz="914400" rtl="0" eaLnBrk="1" latinLnBrk="0" hangingPunct="1">
-              <a:lnSpc>
-                <a:spcPct val="90000"/>
-              </a:lnSpc>
-              <a:spcBef>
-                <a:spcPts val="500"/>
-              </a:spcBef>
-              <a:buFont typeface="Arial" panose="020B0604020202020204" pitchFamily="34" charset="0"/>
-              <a:buChar char="•"/>
-              <a:defRPr sz="1800" kern="1200">
-                <a:solidFill>
-                  <a:schemeClr val="tx1"/>
-                </a:solidFill>
-                <a:latin typeface="+mn-lt"/>
-                <a:ea typeface="+mn-ea"/>
-                <a:cs typeface="+mn-cs"/>
-              </a:defRPr>
-            </a:lvl7pPr>
-            <a:lvl8pPr marL="3429000" indent="-228600" algn="l" defTabSz="914400" rtl="0" eaLnBrk="1" latinLnBrk="0" hangingPunct="1">
-              <a:lnSpc>
-                <a:spcPct val="90000"/>
-              </a:lnSpc>
-              <a:spcBef>
-                <a:spcPts val="500"/>
-              </a:spcBef>
-              <a:buFont typeface="Arial" panose="020B0604020202020204" pitchFamily="34" charset="0"/>
-              <a:buChar char="•"/>
-              <a:defRPr sz="1800" kern="1200">
-                <a:solidFill>
-                  <a:schemeClr val="tx1"/>
-                </a:solidFill>
-                <a:latin typeface="+mn-lt"/>
-                <a:ea typeface="+mn-ea"/>
-                <a:cs typeface="+mn-cs"/>
-              </a:defRPr>
-            </a:lvl8pPr>
-            <a:lvl9pPr marL="3886200" indent="-228600" algn="l" defTabSz="914400" rtl="0" eaLnBrk="1" latinLnBrk="0" hangingPunct="1">
-              <a:lnSpc>
-                <a:spcPct val="90000"/>
-              </a:lnSpc>
-              <a:spcBef>
-                <a:spcPts val="500"/>
-              </a:spcBef>
-              <a:buFont typeface="Arial" panose="020B0604020202020204" pitchFamily="34" charset="0"/>
-              <a:buChar char="•"/>
-              <a:defRPr sz="1800" kern="1200">
-                <a:solidFill>
-                  <a:schemeClr val="tx1"/>
-                </a:solidFill>
-                <a:latin typeface="+mn-lt"/>
-                <a:ea typeface="+mn-ea"/>
-                <a:cs typeface="+mn-cs"/>
-              </a:defRPr>
-            </a:lvl9pPr>
-          </a:lstStyle>
-          <a:p>
-            <a:r>
-              <a:rPr lang="en-US"/>
-              <a:t>Next.js ist ein React-Framework für die Entwicklung von Webanwendungen. Es wurde entwickelt, um die Entwicklung von React-Anwendungen zu vereinfachen, indem es einige der häufigsten Herausforderungen adressiert, die beim Aufbau von Single-Page-Anwendungen auftreten können. </a:t>
-            </a:r>
-          </a:p>
-        </p:txBody>
-      </p:sp>
-      <p:pic>
-        <p:nvPicPr>
-          <p:cNvPr id="1026" name="Picture 2" descr="Erste Schritte mit Next.js - mfg">
-            <a:extLst>
-              <a:ext uri="{FF2B5EF4-FFF2-40B4-BE49-F238E27FC236}">
-                <a16:creationId xmlns:a16="http://schemas.microsoft.com/office/drawing/2014/main" id="{DAF99F78-9FEE-539D-372F-EF95793916BB}"/>
-              </a:ext>
-            </a:extLst>
-          </p:cNvPr>
-          <p:cNvPicPr>
-            <a:picLocks noGrp="1" noChangeAspect="1" noChangeArrowheads="1"/>
-          </p:cNvPicPr>
-          <p:nvPr>
-            <p:ph idx="1"/>
-          </p:nvPr>
-        </p:nvPicPr>
-        <p:blipFill>
-          <a:blip r:embed="rId2">
-            <a:extLst>
-              <a:ext uri="{28A0092B-C50C-407E-A947-70E740481C1C}">
-                <a14:useLocalDpi xmlns:a14="http://schemas.microsoft.com/office/drawing/2010/main" val="0"/>
-              </a:ext>
-            </a:extLst>
-          </a:blip>
-          <a:stretch>
-            <a:fillRect/>
-          </a:stretch>
-        </p:blipFill>
-        <p:spPr bwMode="auto">
-          <a:xfrm>
-            <a:off x="8208960" y="3866667"/>
-            <a:ext cx="3530661" cy="2118396"/>
-          </a:xfrm>
-          <a:prstGeom prst="rect">
-            <a:avLst/>
-          </a:prstGeom>
-          <a:noFill/>
-          <a:extLst>
-            <a:ext uri="{909E8E84-426E-40DD-AFC4-6F175D3DCCD1}">
-              <a14:hiddenFill xmlns:a14="http://schemas.microsoft.com/office/drawing/2010/main">
-                <a:solidFill>
-                  <a:srgbClr val="FFFFFF"/>
-                </a:solidFill>
-              </a14:hiddenFill>
-            </a:ext>
-          </a:extLst>
-        </p:spPr>
-      </p:pic>
-    </p:spTree>
-    <p:extLst>
-      <p:ext uri="{BB962C8B-B14F-4D97-AF65-F5344CB8AC3E}">
-        <p14:creationId xmlns:p14="http://schemas.microsoft.com/office/powerpoint/2010/main" val="583060019"/>
-      </p:ext>
-    </p:extLst>
-  </p:cSld>
-  <p:clrMapOvr>
-    <a:masterClrMapping/>
-  </p:clrMapOvr>
-</p:sld>
-</file>
-
-<file path=ppt/slides/slide6.xml><?xml version="1.0" encoding="utf-8"?>
-<p:sld xmlns:a="http://schemas.openxmlformats.org/drawingml/2006/main" xmlns:r="http://schemas.openxmlformats.org/officeDocument/2006/relationships" xmlns:p="http://schemas.openxmlformats.org/presentationml/2006/main">
-  <p:cSld>
-    <p:bg>
-      <p:bgPr>
-        <a:solidFill>
-          <a:schemeClr val="bg1"/>
-        </a:solidFill>
-        <a:effectLst/>
-      </p:bgPr>
-    </p:bg>
-    <p:spTree>
-      <p:nvGrpSpPr>
-        <p:cNvPr id="1" name=""/>
-        <p:cNvGrpSpPr/>
-        <p:nvPr/>
-      </p:nvGrpSpPr>
-      <p:grpSpPr>
-        <a:xfrm>
-          <a:off x="0" y="0"/>
-          <a:ext cx="0" cy="0"/>
-          <a:chOff x="0" y="0"/>
-          <a:chExt cx="0" cy="0"/>
-        </a:xfrm>
-      </p:grpSpPr>
-      <p:sp useBgFill="1">
-        <p:nvSpPr>
-          <p:cNvPr id="1043" name="Rectangle 1040">
-            <a:extLst>
-              <a:ext uri="{FF2B5EF4-FFF2-40B4-BE49-F238E27FC236}">
-                <a16:creationId xmlns:a16="http://schemas.microsoft.com/office/drawing/2014/main" id="{5D3B97D3-3894-4963-90C5-4EAA66131938}"/>
-              </a:ext>
-              <a:ext uri="{C183D7F6-B498-43B3-948B-1728B52AA6E4}">
-                <adec:decorative xmlns:adec="http://schemas.microsoft.com/office/drawing/2017/decorative" val="1"/>
-              </a:ext>
-            </a:extLst>
-          </p:cNvPr>
-          <p:cNvSpPr>
-            <a:spLocks noGrp="1" noRot="1" noChangeAspect="1" noMove="1" noResize="1" noEditPoints="1" noAdjustHandles="1" noChangeArrowheads="1" noChangeShapeType="1" noTextEdit="1"/>
-          </p:cNvSpPr>
-          <p:nvPr>
-            <p:extLst>
-              <p:ext uri="{386F3935-93C4-4BCD-93E2-E3B085C9AB24}">
-                <p16:designElem xmlns:p16="http://schemas.microsoft.com/office/powerpoint/2015/main" val="1"/>
-              </p:ext>
-            </p:extLst>
-          </p:nvPr>
-        </p:nvSpPr>
-        <p:spPr>
-          <a:xfrm>
-            <a:off x="0" y="0"/>
-            <a:ext cx="12192000" cy="6858000"/>
-          </a:xfrm>
-          <a:prstGeom prst="rect">
-            <a:avLst/>
-          </a:prstGeom>
-          <a:ln w="12700" cap="flat" cmpd="sng" algn="ctr">
-            <a:noFill/>
-            <a:prstDash val="solid"/>
-            <a:miter lim="800000"/>
-          </a:ln>
-          <a:effectLst/>
-          <a:extLst>
-            <a:ext uri="{91240B29-F687-4F45-9708-019B960494DF}">
-              <a14:hiddenLine xmlns:a14="http://schemas.microsoft.com/office/drawing/2010/main" w="12700" cap="flat" cmpd="sng" algn="ctr">
-                <a:solidFill>
-                  <a:schemeClr val="accent1">
-                    <a:shade val="50000"/>
-                  </a:schemeClr>
-                </a:solidFill>
-                <a:prstDash val="solid"/>
-                <a:miter lim="800000"/>
-              </a14:hiddenLine>
-            </a:ext>
-          </a:extLst>
-        </p:spPr>
-        <p:style>
-          <a:lnRef idx="2">
-            <a:schemeClr val="accent1">
-              <a:shade val="50000"/>
-            </a:schemeClr>
-          </a:lnRef>
-          <a:fillRef idx="1">
-            <a:schemeClr val="accent1"/>
-          </a:fillRef>
-          <a:effectRef idx="0">
-            <a:schemeClr val="accent1"/>
-          </a:effectRef>
-          <a:fontRef idx="minor">
-            <a:schemeClr val="lt1"/>
-          </a:fontRef>
-        </p:style>
-        <p:txBody>
-          <a:bodyPr rtlCol="0" anchor="ctr"/>
-          <a:lstStyle/>
-          <a:p>
-            <a:pPr algn="ctr"/>
-            <a:endParaRPr lang="en-US"/>
-          </a:p>
-        </p:txBody>
-      </p:sp>
-      <p:sp>
-        <p:nvSpPr>
-          <p:cNvPr id="2" name="Titel 1">
-            <a:extLst>
-              <a:ext uri="{FF2B5EF4-FFF2-40B4-BE49-F238E27FC236}">
-                <a16:creationId xmlns:a16="http://schemas.microsoft.com/office/drawing/2014/main" id="{3885E639-721B-5CA1-C9DC-EB2B656D2655}"/>
-              </a:ext>
-            </a:extLst>
-          </p:cNvPr>
-          <p:cNvSpPr>
-            <a:spLocks noGrp="1"/>
-          </p:cNvSpPr>
-          <p:nvPr>
-            <p:ph type="title"/>
-          </p:nvPr>
-        </p:nvSpPr>
-        <p:spPr>
-          <a:xfrm>
-            <a:off x="5250873" y="872935"/>
-            <a:ext cx="5798126" cy="1360898"/>
-          </a:xfrm>
-        </p:spPr>
-        <p:txBody>
-          <a:bodyPr>
-            <a:normAutofit/>
-          </a:bodyPr>
-          <a:lstStyle/>
-          <a:p>
-            <a:r>
-              <a:rPr lang="de-DE"/>
-              <a:t>APIs</a:t>
-            </a:r>
-            <a:endParaRPr lang="de-DE" dirty="0"/>
-          </a:p>
-        </p:txBody>
-      </p:sp>
-      <p:pic>
-        <p:nvPicPr>
-          <p:cNvPr id="1026" name="Picture 2" descr="Google Play Books - Wikipedia">
-            <a:extLst>
-              <a:ext uri="{FF2B5EF4-FFF2-40B4-BE49-F238E27FC236}">
-                <a16:creationId xmlns:a16="http://schemas.microsoft.com/office/drawing/2014/main" id="{D19CF8D4-8227-99A3-9975-01573132B5D8}"/>
-              </a:ext>
-            </a:extLst>
-          </p:cNvPr>
-          <p:cNvPicPr>
-            <a:picLocks noChangeAspect="1" noChangeArrowheads="1"/>
-          </p:cNvPicPr>
-          <p:nvPr/>
-        </p:nvPicPr>
-        <p:blipFill>
-          <a:blip r:embed="rId2">
-            <a:extLst>
-              <a:ext uri="{28A0092B-C50C-407E-A947-70E740481C1C}">
-                <a14:useLocalDpi xmlns:a14="http://schemas.microsoft.com/office/drawing/2010/main" val="0"/>
-              </a:ext>
-            </a:extLst>
-          </a:blip>
-          <a:stretch>
-            <a:fillRect/>
-          </a:stretch>
-        </p:blipFill>
-        <p:spPr bwMode="auto">
-          <a:xfrm>
-            <a:off x="2218352" y="899311"/>
-            <a:ext cx="1399525" cy="1585244"/>
-          </a:xfrm>
-          <a:prstGeom prst="rect">
-            <a:avLst/>
-          </a:prstGeom>
-          <a:noFill/>
-          <a:extLst>
-            <a:ext uri="{909E8E84-426E-40DD-AFC4-6F175D3DCCD1}">
-              <a14:hiddenFill xmlns:a14="http://schemas.microsoft.com/office/drawing/2010/main">
-                <a:solidFill>
-                  <a:srgbClr val="FFFFFF"/>
-                </a:solidFill>
-              </a14:hiddenFill>
-            </a:ext>
-          </a:extLst>
-        </p:spPr>
-      </p:pic>
-      <p:pic>
-        <p:nvPicPr>
-          <p:cNvPr id="1028" name="Picture 4" descr="Free Online Subscription to New York Times | College of Computing Advising">
-            <a:extLst>
-              <a:ext uri="{FF2B5EF4-FFF2-40B4-BE49-F238E27FC236}">
-                <a16:creationId xmlns:a16="http://schemas.microsoft.com/office/drawing/2014/main" id="{450F5DB4-868C-F9F5-7BD9-084E105E3B6C}"/>
-              </a:ext>
-            </a:extLst>
-          </p:cNvPr>
-          <p:cNvPicPr>
-            <a:picLocks noChangeAspect="1" noChangeArrowheads="1"/>
-          </p:cNvPicPr>
-          <p:nvPr/>
-        </p:nvPicPr>
-        <p:blipFill>
-          <a:blip r:embed="rId3">
-            <a:extLst>
-              <a:ext uri="{28A0092B-C50C-407E-A947-70E740481C1C}">
-                <a14:useLocalDpi xmlns:a14="http://schemas.microsoft.com/office/drawing/2010/main" val="0"/>
-              </a:ext>
-            </a:extLst>
-          </a:blip>
-          <a:stretch>
-            <a:fillRect/>
-          </a:stretch>
-        </p:blipFill>
-        <p:spPr bwMode="auto">
-          <a:xfrm>
-            <a:off x="1917167" y="2651632"/>
-            <a:ext cx="1981555" cy="1585244"/>
-          </a:xfrm>
-          <a:prstGeom prst="rect">
-            <a:avLst/>
-          </a:prstGeom>
-          <a:noFill/>
-          <a:extLst>
-            <a:ext uri="{909E8E84-426E-40DD-AFC4-6F175D3DCCD1}">
-              <a14:hiddenFill xmlns:a14="http://schemas.microsoft.com/office/drawing/2010/main">
-                <a:solidFill>
-                  <a:srgbClr val="FFFFFF"/>
-                </a:solidFill>
-              </a14:hiddenFill>
-            </a:ext>
-          </a:extLst>
-        </p:spPr>
-      </p:pic>
-      <p:pic>
-        <p:nvPicPr>
-          <p:cNvPr id="1036" name="Picture 12">
-            <a:extLst>
-              <a:ext uri="{FF2B5EF4-FFF2-40B4-BE49-F238E27FC236}">
-                <a16:creationId xmlns:a16="http://schemas.microsoft.com/office/drawing/2014/main" id="{84F60191-063F-62A4-517C-2391866A1209}"/>
-              </a:ext>
-            </a:extLst>
-          </p:cNvPr>
-          <p:cNvPicPr>
-            <a:picLocks noChangeAspect="1" noChangeArrowheads="1"/>
-          </p:cNvPicPr>
-          <p:nvPr/>
-        </p:nvPicPr>
-        <p:blipFill>
-          <a:blip r:embed="rId4">
-            <a:extLst>
-              <a:ext uri="{28A0092B-C50C-407E-A947-70E740481C1C}">
-                <a14:useLocalDpi xmlns:a14="http://schemas.microsoft.com/office/drawing/2010/main" val="0"/>
-              </a:ext>
-            </a:extLst>
-          </a:blip>
-          <a:stretch>
-            <a:fillRect/>
-          </a:stretch>
-        </p:blipFill>
-        <p:spPr bwMode="auto">
-          <a:xfrm>
-            <a:off x="1419158" y="4445998"/>
-            <a:ext cx="2975263" cy="1501155"/>
-          </a:xfrm>
-          <a:prstGeom prst="rect">
-            <a:avLst/>
-          </a:prstGeom>
-          <a:noFill/>
-          <a:extLst>
-            <a:ext uri="{909E8E84-426E-40DD-AFC4-6F175D3DCCD1}">
-              <a14:hiddenFill xmlns:a14="http://schemas.microsoft.com/office/drawing/2010/main">
-                <a:solidFill>
-                  <a:srgbClr val="FFFFFF"/>
-                </a:solidFill>
-              </a14:hiddenFill>
-            </a:ext>
-          </a:extLst>
-        </p:spPr>
-      </p:pic>
-      <p:sp>
-        <p:nvSpPr>
-          <p:cNvPr id="3" name="Inhaltsplatzhalter 2">
-            <a:extLst>
-              <a:ext uri="{FF2B5EF4-FFF2-40B4-BE49-F238E27FC236}">
-                <a16:creationId xmlns:a16="http://schemas.microsoft.com/office/drawing/2014/main" id="{01671CF1-AB30-D1BC-CBCA-7254E4B21AE2}"/>
-              </a:ext>
-            </a:extLst>
-          </p:cNvPr>
-          <p:cNvSpPr>
-            <a:spLocks noGrp="1"/>
-          </p:cNvSpPr>
-          <p:nvPr>
-            <p:ph idx="1"/>
-          </p:nvPr>
-        </p:nvSpPr>
-        <p:spPr>
-          <a:xfrm>
-            <a:off x="5250873" y="2332026"/>
-            <a:ext cx="5798126" cy="3840174"/>
-          </a:xfrm>
-        </p:spPr>
-        <p:txBody>
-          <a:bodyPr>
-            <a:normAutofit/>
-          </a:bodyPr>
-          <a:lstStyle/>
-          <a:p>
-            <a:r>
-              <a:rPr lang="de-DE" dirty="0" err="1"/>
-              <a:t>IMDb</a:t>
-            </a:r>
-            <a:endParaRPr lang="de-DE" dirty="0"/>
-          </a:p>
-          <a:p>
-            <a:r>
-              <a:rPr lang="de-DE" dirty="0" err="1"/>
-              <a:t>isbnDB</a:t>
-            </a:r>
-            <a:endParaRPr lang="de-DE" dirty="0"/>
-          </a:p>
-          <a:p>
-            <a:r>
-              <a:rPr lang="de-DE" dirty="0" err="1"/>
-              <a:t>GoogleBooks</a:t>
-            </a:r>
-            <a:endParaRPr lang="de-DE" dirty="0"/>
-          </a:p>
-          <a:p>
-            <a:r>
-              <a:rPr lang="de-DE" dirty="0"/>
-              <a:t>New York Times API</a:t>
-            </a:r>
-          </a:p>
-        </p:txBody>
-      </p:sp>
-      <p:sp>
-        <p:nvSpPr>
-          <p:cNvPr id="4" name="AutoShape 6" descr="IMDb - Wikipedia">
-            <a:extLst>
-              <a:ext uri="{FF2B5EF4-FFF2-40B4-BE49-F238E27FC236}">
-                <a16:creationId xmlns:a16="http://schemas.microsoft.com/office/drawing/2014/main" id="{D3128B24-A21D-87E2-DC0C-52CC69E6580C}"/>
-              </a:ext>
-            </a:extLst>
-          </p:cNvPr>
-          <p:cNvSpPr>
-            <a:spLocks noChangeAspect="1" noChangeArrowheads="1"/>
-          </p:cNvSpPr>
-          <p:nvPr/>
-        </p:nvSpPr>
-        <p:spPr bwMode="auto">
-          <a:xfrm>
-            <a:off x="5943600" y="3276600"/>
-            <a:ext cx="304800" cy="304800"/>
-          </a:xfrm>
-          <a:prstGeom prst="rect">
-            <a:avLst/>
-          </a:prstGeom>
-          <a:noFill/>
-          <a:extLst>
-            <a:ext uri="{909E8E84-426E-40DD-AFC4-6F175D3DCCD1}">
-              <a14:hiddenFill xmlns:a14="http://schemas.microsoft.com/office/drawing/2010/main">
-                <a:solidFill>
-                  <a:srgbClr val="FFFFFF"/>
-                </a:solidFill>
-              </a14:hiddenFill>
-            </a:ext>
-          </a:extLst>
-        </p:spPr>
-        <p:txBody>
-          <a:bodyPr vert="horz" wrap="square" lIns="91440" tIns="45720" rIns="91440" bIns="45720" numCol="1" anchor="t" anchorCtr="0" compatLnSpc="1">
-            <a:prstTxWarp prst="textNoShape">
-              <a:avLst/>
-            </a:prstTxWarp>
-          </a:bodyPr>
-          <a:lstStyle/>
-          <a:p>
-            <a:endParaRPr lang="de-AT"/>
-          </a:p>
-        </p:txBody>
-      </p:sp>
-    </p:spTree>
-    <p:extLst>
-      <p:ext uri="{BB962C8B-B14F-4D97-AF65-F5344CB8AC3E}">
-        <p14:creationId xmlns:p14="http://schemas.microsoft.com/office/powerpoint/2010/main" val="3415735687"/>
-      </p:ext>
-    </p:extLst>
-  </p:cSld>
-  <p:clrMapOvr>
-    <a:masterClrMapping/>
-  </p:clrMapOvr>
-</p:sld>
-</file>
-
-<file path=ppt/slides/slide7.xml><?xml version="1.0" encoding="utf-8"?>
-<p:sld xmlns:a="http://schemas.openxmlformats.org/drawingml/2006/main" xmlns:r="http://schemas.openxmlformats.org/officeDocument/2006/relationships" xmlns:p="http://schemas.openxmlformats.org/presentationml/2006/main">
-  <p:cSld>
-    <p:bg>
-      <p:bgPr>
-        <a:solidFill>
-          <a:schemeClr val="bg1"/>
-        </a:solidFill>
-        <a:effectLst/>
-      </p:bgPr>
-    </p:bg>
-    <p:spTree>
-      <p:nvGrpSpPr>
-        <p:cNvPr id="1" name=""/>
-        <p:cNvGrpSpPr/>
-        <p:nvPr/>
-      </p:nvGrpSpPr>
-      <p:grpSpPr>
-        <a:xfrm>
-          <a:off x="0" y="0"/>
-          <a:ext cx="0" cy="0"/>
-          <a:chOff x="0" y="0"/>
-          <a:chExt cx="0" cy="0"/>
-        </a:xfrm>
-      </p:grpSpPr>
-      <p:sp useBgFill="1">
-        <p:nvSpPr>
-          <p:cNvPr id="19" name="Rectangle 16">
-            <a:extLst>
-              <a:ext uri="{FF2B5EF4-FFF2-40B4-BE49-F238E27FC236}">
-                <a16:creationId xmlns:a16="http://schemas.microsoft.com/office/drawing/2014/main" id="{685B57F6-59DE-4274-A37C-F47FE4E42EEF}"/>
-              </a:ext>
-              <a:ext uri="{C183D7F6-B498-43B3-948B-1728B52AA6E4}">
-                <adec:decorative xmlns:adec="http://schemas.microsoft.com/office/drawing/2017/decorative" val="1"/>
-              </a:ext>
-            </a:extLst>
-          </p:cNvPr>
-          <p:cNvSpPr>
-            <a:spLocks noGrp="1" noRot="1" noChangeAspect="1" noMove="1" noResize="1" noEditPoints="1" noAdjustHandles="1" noChangeArrowheads="1" noChangeShapeType="1" noTextEdit="1"/>
-          </p:cNvSpPr>
-          <p:nvPr>
-            <p:extLst>
-              <p:ext uri="{386F3935-93C4-4BCD-93E2-E3B085C9AB24}">
-                <p16:designElem xmlns:p16="http://schemas.microsoft.com/office/powerpoint/2015/main" val="1"/>
-              </p:ext>
-            </p:extLst>
-          </p:nvPr>
-        </p:nvSpPr>
-        <p:spPr>
-          <a:xfrm>
-            <a:off x="0" y="0"/>
-            <a:ext cx="12192000" cy="6858000"/>
-          </a:xfrm>
-          <a:prstGeom prst="rect">
-            <a:avLst/>
-          </a:prstGeom>
-          <a:ln w="12700" cap="flat" cmpd="sng" algn="ctr">
-            <a:noFill/>
-            <a:prstDash val="solid"/>
-            <a:miter lim="800000"/>
-          </a:ln>
-          <a:effectLst/>
-          <a:extLst>
-            <a:ext uri="{91240B29-F687-4F45-9708-019B960494DF}">
-              <a14:hiddenLine xmlns:a14="http://schemas.microsoft.com/office/drawing/2010/main" w="12700" cap="flat" cmpd="sng" algn="ctr">
-                <a:solidFill>
-                  <a:schemeClr val="accent1">
-                    <a:shade val="50000"/>
-                  </a:schemeClr>
-                </a:solidFill>
-                <a:prstDash val="solid"/>
-                <a:miter lim="800000"/>
-              </a14:hiddenLine>
-            </a:ext>
-          </a:extLst>
-        </p:spPr>
-        <p:style>
-          <a:lnRef idx="2">
-            <a:schemeClr val="accent1">
-              <a:shade val="50000"/>
-            </a:schemeClr>
-          </a:lnRef>
-          <a:fillRef idx="1">
-            <a:schemeClr val="accent1"/>
-          </a:fillRef>
-          <a:effectRef idx="0">
-            <a:schemeClr val="accent1"/>
-          </a:effectRef>
-          <a:fontRef idx="minor">
-            <a:schemeClr val="lt1"/>
-          </a:fontRef>
-        </p:style>
-        <p:txBody>
-          <a:bodyPr rtlCol="0" anchor="ctr"/>
-          <a:lstStyle/>
-          <a:p>
-            <a:pPr algn="ctr"/>
-            <a:endParaRPr lang="en-US"/>
-          </a:p>
-        </p:txBody>
-      </p:sp>
-      <p:pic>
-        <p:nvPicPr>
-          <p:cNvPr id="7" name="Grafik 6">
-            <a:extLst>
-              <a:ext uri="{FF2B5EF4-FFF2-40B4-BE49-F238E27FC236}">
-                <a16:creationId xmlns:a16="http://schemas.microsoft.com/office/drawing/2014/main" id="{9267943D-CD85-B02E-49F5-5ABE030919C6}"/>
-              </a:ext>
-            </a:extLst>
-          </p:cNvPr>
-          <p:cNvPicPr>
-            <a:picLocks noChangeAspect="1"/>
-          </p:cNvPicPr>
-          <p:nvPr/>
-        </p:nvPicPr>
-        <p:blipFill rotWithShape="1">
-          <a:blip r:embed="rId2"/>
-          <a:srcRect l="1106" r="2" b="2"/>
-          <a:stretch/>
-        </p:blipFill>
-        <p:spPr>
-          <a:xfrm>
-            <a:off x="511246" y="3429010"/>
-            <a:ext cx="7452882" cy="3428990"/>
-          </a:xfrm>
-          <a:custGeom>
-            <a:avLst/>
-            <a:gdLst/>
-            <a:ahLst/>
-            <a:cxnLst/>
-            <a:rect l="l" t="t" r="r" b="b"/>
-            <a:pathLst>
-              <a:path w="7452882" h="3429000">
-                <a:moveTo>
-                  <a:pt x="3005297" y="0"/>
-                </a:moveTo>
-                <a:lnTo>
-                  <a:pt x="7452882" y="0"/>
-                </a:lnTo>
-                <a:lnTo>
-                  <a:pt x="4447586" y="3429000"/>
-                </a:lnTo>
-                <a:lnTo>
-                  <a:pt x="2229335" y="3429000"/>
-                </a:lnTo>
-                <a:lnTo>
-                  <a:pt x="2218251" y="3429000"/>
-                </a:lnTo>
-                <a:lnTo>
-                  <a:pt x="0" y="3429000"/>
-                </a:lnTo>
-                <a:close/>
-              </a:path>
-            </a:pathLst>
-          </a:custGeom>
-        </p:spPr>
-      </p:pic>
-      <p:sp>
-        <p:nvSpPr>
           <p:cNvPr id="2" name="Titel 1">
             <a:extLst>
               <a:ext uri="{FF2B5EF4-FFF2-40B4-BE49-F238E27FC236}">
@@ -6252,89 +5112,32 @@
           <a:lstStyle/>
           <a:p>
             <a:r>
-              <a:rPr lang="de-DE"/>
+              <a:rPr lang="de-DE" dirty="0"/>
               <a:t>Aktueller Stand</a:t>
             </a:r>
-            <a:endParaRPr lang="de-DE" dirty="0"/>
-          </a:p>
-        </p:txBody>
-      </p:sp>
-      <p:pic>
-        <p:nvPicPr>
-          <p:cNvPr id="5" name="Grafik 4">
-            <a:extLst>
-              <a:ext uri="{FF2B5EF4-FFF2-40B4-BE49-F238E27FC236}">
-                <a16:creationId xmlns:a16="http://schemas.microsoft.com/office/drawing/2014/main" id="{B056CA39-1CB2-CA98-6BAC-A9E7387D7127}"/>
-              </a:ext>
-            </a:extLst>
-          </p:cNvPr>
-          <p:cNvPicPr>
-            <a:picLocks noChangeAspect="1"/>
-          </p:cNvPicPr>
-          <p:nvPr/>
-        </p:nvPicPr>
-        <p:blipFill rotWithShape="1">
-          <a:blip r:embed="rId3"/>
-          <a:srcRect l="933" r="718" b="1"/>
-          <a:stretch/>
-        </p:blipFill>
+          </a:p>
+        </p:txBody>
+      </p:sp>
+      <p:sp>
+        <p:nvSpPr>
+          <p:cNvPr id="3" name="Inhaltsplatzhalter 2">
+            <a:extLst>
+              <a:ext uri="{FF2B5EF4-FFF2-40B4-BE49-F238E27FC236}">
+                <a16:creationId xmlns:a16="http://schemas.microsoft.com/office/drawing/2014/main" id="{E094B4A5-C1D4-BACB-0EDC-8C581476FECB}"/>
+              </a:ext>
+            </a:extLst>
+          </p:cNvPr>
+          <p:cNvSpPr>
+            <a:spLocks noGrp="1"/>
+          </p:cNvSpPr>
+          <p:nvPr>
+            <p:ph idx="1"/>
+          </p:nvPr>
+        </p:nvSpPr>
         <p:spPr>
           <a:xfrm>
-            <a:off x="3522562" y="2442"/>
-            <a:ext cx="7452882" cy="3429000"/>
-          </a:xfrm>
-          <a:custGeom>
-            <a:avLst/>
-            <a:gdLst/>
-            <a:ahLst/>
-            <a:cxnLst/>
-            <a:rect l="l" t="t" r="r" b="b"/>
-            <a:pathLst>
-              <a:path w="7452882" h="3429000">
-                <a:moveTo>
-                  <a:pt x="3005297" y="0"/>
-                </a:moveTo>
-                <a:lnTo>
-                  <a:pt x="7452882" y="0"/>
-                </a:lnTo>
-                <a:lnTo>
-                  <a:pt x="4447586" y="3429000"/>
-                </a:lnTo>
-                <a:lnTo>
-                  <a:pt x="2229335" y="3429000"/>
-                </a:lnTo>
-                <a:lnTo>
-                  <a:pt x="2218251" y="3429000"/>
-                </a:lnTo>
-                <a:lnTo>
-                  <a:pt x="0" y="3429000"/>
-                </a:lnTo>
-                <a:close/>
-              </a:path>
-            </a:pathLst>
-          </a:custGeom>
-        </p:spPr>
-      </p:pic>
-      <p:sp>
-        <p:nvSpPr>
-          <p:cNvPr id="3" name="Inhaltsplatzhalter 2">
-            <a:extLst>
-              <a:ext uri="{FF2B5EF4-FFF2-40B4-BE49-F238E27FC236}">
-                <a16:creationId xmlns:a16="http://schemas.microsoft.com/office/drawing/2014/main" id="{E094B4A5-C1D4-BACB-0EDC-8C581476FECB}"/>
-              </a:ext>
-            </a:extLst>
-          </p:cNvPr>
-          <p:cNvSpPr>
-            <a:spLocks noGrp="1"/>
-          </p:cNvSpPr>
-          <p:nvPr>
-            <p:ph idx="1"/>
-          </p:nvPr>
-        </p:nvSpPr>
-        <p:spPr>
-          <a:xfrm>
-            <a:off x="7964128" y="3429000"/>
-            <a:ext cx="3084871" cy="2743200"/>
+            <a:off x="1143000" y="2057400"/>
+            <a:ext cx="3084871" cy="2280557"/>
           </a:xfrm>
         </p:spPr>
         <p:txBody>
@@ -6343,15 +5146,12 @@
           </a:bodyPr>
           <a:lstStyle/>
           <a:p>
-            <a:pPr algn="r"/>
             <a:r>
               <a:rPr lang="de-DE" dirty="0"/>
               <a:t>Login funktioniert</a:t>
             </a:r>
-            <a:endParaRPr lang="de-DE"/>
-          </a:p>
-          <a:p>
-            <a:pPr algn="r"/>
+          </a:p>
+          <a:p>
             <a:r>
               <a:rPr lang="de-DE" dirty="0"/>
               <a:t>Oberfläche ist in Entwicklung</a:t>
@@ -6359,13 +5159,13 @@
             <a:br>
               <a:rPr lang="de-DE" dirty="0"/>
             </a:br>
-            <a:endParaRPr lang="de-DE"/>
+            <a:endParaRPr lang="de-DE" dirty="0"/>
           </a:p>
           <a:p>
             <a:pPr marL="0" indent="0" algn="r">
               <a:buNone/>
             </a:pPr>
-            <a:endParaRPr lang="de-DE"/>
+            <a:endParaRPr lang="de-DE" dirty="0"/>
           </a:p>
         </p:txBody>
       </p:sp>
@@ -6382,7 +5182,7 @@
 </p:sld>
 </file>
 
-<file path=ppt/slides/slide8.xml><?xml version="1.0" encoding="utf-8"?>
+<file path=ppt/slides/slide6.xml><?xml version="1.0" encoding="utf-8"?>
 <p:sld xmlns:a="http://schemas.openxmlformats.org/drawingml/2006/main" xmlns:r="http://schemas.openxmlformats.org/officeDocument/2006/relationships" xmlns:p="http://schemas.openxmlformats.org/presentationml/2006/main">
   <p:cSld>
     <p:spTree>
@@ -6422,7 +5222,7 @@
           <a:p>
             <a:r>
               <a:rPr lang="de-DE" dirty="0"/>
-              <a:t>Nächste Schritte</a:t>
+              <a:t>Erfolge / Herausforderungen</a:t>
             </a:r>
           </a:p>
         </p:txBody>
@@ -6454,16 +5254,7 @@
             </a:r>
           </a:p>
           <a:p>
-            <a:r>
-              <a:rPr lang="de-DE" dirty="0"/>
-              <a:t>Design</a:t>
-            </a:r>
-          </a:p>
-          <a:p>
-            <a:r>
-              <a:rPr lang="de-DE" dirty="0"/>
-              <a:t>Speicherung in Datenbank</a:t>
-            </a:r>
+            <a:endParaRPr lang="de-DE" dirty="0"/>
           </a:p>
         </p:txBody>
       </p:sp>
@@ -6480,7 +5271,105 @@
 </p:sld>
 </file>
 
-<file path=ppt/slides/slide9.xml><?xml version="1.0" encoding="utf-8"?>
+<file path=ppt/slides/slide7.xml><?xml version="1.0" encoding="utf-8"?>
+<p:sld xmlns:a="http://schemas.openxmlformats.org/drawingml/2006/main" xmlns:r="http://schemas.openxmlformats.org/officeDocument/2006/relationships" xmlns:p="http://schemas.openxmlformats.org/presentationml/2006/main">
+  <p:cSld>
+    <p:spTree>
+      <p:nvGrpSpPr>
+        <p:cNvPr id="1" name=""/>
+        <p:cNvGrpSpPr/>
+        <p:nvPr/>
+      </p:nvGrpSpPr>
+      <p:grpSpPr>
+        <a:xfrm>
+          <a:off x="0" y="0"/>
+          <a:ext cx="0" cy="0"/>
+          <a:chOff x="0" y="0"/>
+          <a:chExt cx="0" cy="0"/>
+        </a:xfrm>
+      </p:grpSpPr>
+      <p:sp>
+        <p:nvSpPr>
+          <p:cNvPr id="2" name="Titel 1">
+            <a:extLst>
+              <a:ext uri="{FF2B5EF4-FFF2-40B4-BE49-F238E27FC236}">
+                <a16:creationId xmlns:a16="http://schemas.microsoft.com/office/drawing/2014/main" id="{F3D242C4-AF9E-CBE5-6ADD-FB1E70FEEA3B}"/>
+              </a:ext>
+            </a:extLst>
+          </p:cNvPr>
+          <p:cNvSpPr>
+            <a:spLocks noGrp="1"/>
+          </p:cNvSpPr>
+          <p:nvPr>
+            <p:ph type="title"/>
+          </p:nvPr>
+        </p:nvSpPr>
+        <p:spPr/>
+        <p:txBody>
+          <a:bodyPr/>
+          <a:lstStyle/>
+          <a:p>
+            <a:r>
+              <a:rPr lang="de-DE" dirty="0"/>
+              <a:t>Nächste Schritte</a:t>
+            </a:r>
+          </a:p>
+        </p:txBody>
+      </p:sp>
+      <p:sp>
+        <p:nvSpPr>
+          <p:cNvPr id="3" name="Inhaltsplatzhalter 2">
+            <a:extLst>
+              <a:ext uri="{FF2B5EF4-FFF2-40B4-BE49-F238E27FC236}">
+                <a16:creationId xmlns:a16="http://schemas.microsoft.com/office/drawing/2014/main" id="{0236BE89-822B-2D99-03E3-A6DC9700B2F2}"/>
+              </a:ext>
+            </a:extLst>
+          </p:cNvPr>
+          <p:cNvSpPr>
+            <a:spLocks noGrp="1"/>
+          </p:cNvSpPr>
+          <p:nvPr>
+            <p:ph idx="1"/>
+          </p:nvPr>
+        </p:nvSpPr>
+        <p:spPr/>
+        <p:txBody>
+          <a:bodyPr/>
+          <a:lstStyle/>
+          <a:p>
+            <a:r>
+              <a:rPr lang="de-DE" dirty="0"/>
+              <a:t>Anbindung APIs</a:t>
+            </a:r>
+          </a:p>
+          <a:p>
+            <a:r>
+              <a:rPr lang="de-DE" dirty="0"/>
+              <a:t>Design</a:t>
+            </a:r>
+          </a:p>
+          <a:p>
+            <a:r>
+              <a:rPr lang="de-DE" dirty="0"/>
+              <a:t>Speicherung in Datenbank</a:t>
+            </a:r>
+          </a:p>
+        </p:txBody>
+      </p:sp>
+    </p:spTree>
+    <p:extLst>
+      <p:ext uri="{BB962C8B-B14F-4D97-AF65-F5344CB8AC3E}">
+        <p14:creationId xmlns:p14="http://schemas.microsoft.com/office/powerpoint/2010/main" val="3279723488"/>
+      </p:ext>
+    </p:extLst>
+  </p:cSld>
+  <p:clrMapOvr>
+    <a:masterClrMapping/>
+  </p:clrMapOvr>
+</p:sld>
+</file>
+
+<file path=ppt/slides/slide8.xml><?xml version="1.0" encoding="utf-8"?>
 <p:sld xmlns:a="http://schemas.openxmlformats.org/drawingml/2006/main" xmlns:r="http://schemas.openxmlformats.org/officeDocument/2006/relationships" xmlns:p="http://schemas.openxmlformats.org/presentationml/2006/main">
   <p:cSld>
     <p:bg>

--- a/ScreenTale/Projektmanagement/Projekt Präsentationen/ScreenTale Zwischenpräsentation _14_02_2024.pptx
+++ b/ScreenTale/Projektmanagement/Projekt Präsentationen/ScreenTale Zwischenpräsentation _14_02_2024.pptx
@@ -4889,7 +4889,7 @@
             </a:pPr>
             <a:r>
               <a:rPr lang="de-DE" sz="2000" dirty="0"/>
-              <a:t>Anbindung der APIs</a:t>
+              <a:t>Implementation der APIs</a:t>
             </a:r>
           </a:p>
           <a:p>
@@ -4899,7 +4899,7 @@
             </a:pPr>
             <a:r>
               <a:rPr lang="de-DE" sz="2000" dirty="0"/>
-              <a:t>Speicherung in Datenbank</a:t>
+              <a:t>Verarbeitung der Daten</a:t>
             </a:r>
           </a:p>
           <a:p>
@@ -4954,7 +4954,7 @@
             </a:pPr>
             <a:r>
               <a:rPr lang="de-DE" sz="2000" dirty="0"/>
-              <a:t>Visualisieren der Inhalte</a:t>
+              <a:t>Visualisierung der API-Daten</a:t>
             </a:r>
           </a:p>
           <a:p>

--- a/ScreenTale/Projektmanagement/Projekt Präsentationen/ScreenTale Zwischenpräsentation _14_02_2024.pptx
+++ b/ScreenTale/Projektmanagement/Projekt Präsentationen/ScreenTale Zwischenpräsentation _14_02_2024.pptx
@@ -467,7 +467,7 @@
           <a:p>
             <a:fld id="{3CADBD16-5BFB-4D9F-9646-C75D1B53BBB6}" type="datetimeFigureOut">
               <a:rPr lang="en-US" smtClean="0"/>
-              <a:t>2/14/2024</a:t>
+              <a:t>2/15/2024</a:t>
             </a:fld>
             <a:endParaRPr lang="en-US"/>
           </a:p>
@@ -708,7 +708,7 @@
           <a:p>
             <a:fld id="{3CADBD16-5BFB-4D9F-9646-C75D1B53BBB6}" type="datetimeFigureOut">
               <a:rPr lang="en-US" smtClean="0"/>
-              <a:t>2/14/2024</a:t>
+              <a:t>2/15/2024</a:t>
             </a:fld>
             <a:endParaRPr lang="en-US"/>
           </a:p>
@@ -916,7 +916,7 @@
           <a:p>
             <a:fld id="{3CADBD16-5BFB-4D9F-9646-C75D1B53BBB6}" type="datetimeFigureOut">
               <a:rPr lang="en-US" smtClean="0"/>
-              <a:t>2/14/2024</a:t>
+              <a:t>2/15/2024</a:t>
             </a:fld>
             <a:endParaRPr lang="en-US"/>
           </a:p>
@@ -1114,7 +1114,7 @@
           <a:p>
             <a:fld id="{3CADBD16-5BFB-4D9F-9646-C75D1B53BBB6}" type="datetimeFigureOut">
               <a:rPr lang="en-US" smtClean="0"/>
-              <a:t>2/14/2024</a:t>
+              <a:t>2/15/2024</a:t>
             </a:fld>
             <a:endParaRPr lang="en-US"/>
           </a:p>
@@ -1391,7 +1391,7 @@
           <a:p>
             <a:fld id="{3CADBD16-5BFB-4D9F-9646-C75D1B53BBB6}" type="datetimeFigureOut">
               <a:rPr lang="en-US" smtClean="0"/>
-              <a:t>2/14/2024</a:t>
+              <a:t>2/15/2024</a:t>
             </a:fld>
             <a:endParaRPr lang="en-US"/>
           </a:p>
@@ -1656,7 +1656,7 @@
           <a:p>
             <a:fld id="{3CADBD16-5BFB-4D9F-9646-C75D1B53BBB6}" type="datetimeFigureOut">
               <a:rPr lang="en-US" smtClean="0"/>
-              <a:t>2/14/2024</a:t>
+              <a:t>2/15/2024</a:t>
             </a:fld>
             <a:endParaRPr lang="en-US"/>
           </a:p>
@@ -2072,7 +2072,7 @@
           <a:p>
             <a:fld id="{3CADBD16-5BFB-4D9F-9646-C75D1B53BBB6}" type="datetimeFigureOut">
               <a:rPr lang="en-US" smtClean="0"/>
-              <a:t>2/14/2024</a:t>
+              <a:t>2/15/2024</a:t>
             </a:fld>
             <a:endParaRPr lang="en-US"/>
           </a:p>
@@ -2222,7 +2222,7 @@
           <a:p>
             <a:fld id="{3CADBD16-5BFB-4D9F-9646-C75D1B53BBB6}" type="datetimeFigureOut">
               <a:rPr lang="en-US" smtClean="0"/>
-              <a:t>2/14/2024</a:t>
+              <a:t>2/15/2024</a:t>
             </a:fld>
             <a:endParaRPr lang="en-US"/>
           </a:p>
@@ -2335,7 +2335,7 @@
           <a:p>
             <a:fld id="{3CADBD16-5BFB-4D9F-9646-C75D1B53BBB6}" type="datetimeFigureOut">
               <a:rPr lang="en-US" smtClean="0"/>
-              <a:t>2/14/2024</a:t>
+              <a:t>2/15/2024</a:t>
             </a:fld>
             <a:endParaRPr lang="en-US"/>
           </a:p>
@@ -2651,7 +2651,7 @@
           <a:p>
             <a:fld id="{3CADBD16-5BFB-4D9F-9646-C75D1B53BBB6}" type="datetimeFigureOut">
               <a:rPr lang="en-US" smtClean="0"/>
-              <a:t>2/14/2024</a:t>
+              <a:t>2/15/2024</a:t>
             </a:fld>
             <a:endParaRPr lang="en-US"/>
           </a:p>
@@ -2902,7 +2902,7 @@
           <a:p>
             <a:fld id="{3CADBD16-5BFB-4D9F-9646-C75D1B53BBB6}" type="datetimeFigureOut">
               <a:rPr lang="en-US" smtClean="0"/>
-              <a:t>2/14/2024</a:t>
+              <a:t>2/15/2024</a:t>
             </a:fld>
             <a:endParaRPr lang="en-US"/>
           </a:p>
@@ -3411,7 +3411,7 @@
             <a:fld id="{3CADBD16-5BFB-4D9F-9646-C75D1B53BBB6}" type="datetimeFigureOut">
               <a:rPr lang="en-US" smtClean="0"/>
               <a:pPr/>
-              <a:t>2/14/2024</a:t>
+              <a:t>2/15/2024</a:t>
             </a:fld>
             <a:endParaRPr lang="en-US" dirty="0"/>
           </a:p>
@@ -5009,7 +5009,7 @@
       </p:grpSpPr>
       <p:sp useBgFill="1">
         <p:nvSpPr>
-          <p:cNvPr id="19" name="Rectangle 16">
+          <p:cNvPr id="30" name="Rectangle 23">
             <a:extLst>
               <a:ext uri="{FF2B5EF4-FFF2-40B4-BE49-F238E27FC236}">
                 <a16:creationId xmlns:a16="http://schemas.microsoft.com/office/drawing/2014/main" id="{685B57F6-59DE-4274-A37C-F47FE4E42EEF}"/>
@@ -5083,30 +5083,207 @@
           </a:p>
         </p:txBody>
       </p:sp>
-      <p:sp>
-        <p:nvSpPr>
-          <p:cNvPr id="2" name="Titel 1">
-            <a:extLst>
-              <a:ext uri="{FF2B5EF4-FFF2-40B4-BE49-F238E27FC236}">
-                <a16:creationId xmlns:a16="http://schemas.microsoft.com/office/drawing/2014/main" id="{677FE3D7-8CDA-E4CD-09F6-49DD111523FA}"/>
-              </a:ext>
-            </a:extLst>
-          </p:cNvPr>
-          <p:cNvSpPr>
-            <a:spLocks noGrp="1"/>
-          </p:cNvSpPr>
-          <p:nvPr>
-            <p:ph type="title"/>
-          </p:nvPr>
-        </p:nvSpPr>
+      <p:pic>
+        <p:nvPicPr>
+          <p:cNvPr id="5" name="Grafik 4" descr="Ein Bild, das Text, Screenshot, Software, Multimedia-Software enthält.&#10;&#10;Automatisch generierte Beschreibung">
+            <a:extLst>
+              <a:ext uri="{FF2B5EF4-FFF2-40B4-BE49-F238E27FC236}">
+                <a16:creationId xmlns:a16="http://schemas.microsoft.com/office/drawing/2014/main" id="{B3B97AF6-E4A2-2627-0AC1-04AE750D9365}"/>
+              </a:ext>
+            </a:extLst>
+          </p:cNvPr>
+          <p:cNvPicPr>
+            <a:picLocks noChangeAspect="1"/>
+          </p:cNvPicPr>
+          <p:nvPr/>
+        </p:nvPicPr>
+        <p:blipFill rotWithShape="1">
+          <a:blip r:embed="rId2"/>
+          <a:srcRect l="18578" r="20724" b="-1"/>
+          <a:stretch/>
+        </p:blipFill>
         <p:spPr>
           <a:xfrm>
-            <a:off x="1143000" y="1203678"/>
-            <a:ext cx="3876793" cy="2065020"/>
+            <a:off x="3093268" y="10"/>
+            <a:ext cx="9098732" cy="6857990"/>
+          </a:xfrm>
+          <a:custGeom>
+            <a:avLst/>
+            <a:gdLst/>
+            <a:ahLst/>
+            <a:cxnLst/>
+            <a:rect l="l" t="t" r="r" b="b"/>
+            <a:pathLst>
+              <a:path w="9098732" h="6858000">
+                <a:moveTo>
+                  <a:pt x="6010592" y="0"/>
+                </a:moveTo>
+                <a:lnTo>
+                  <a:pt x="8235629" y="4"/>
+                </a:lnTo>
+                <a:cubicBezTo>
+                  <a:pt x="8235629" y="3"/>
+                  <a:pt x="8235630" y="3"/>
+                  <a:pt x="8235630" y="2"/>
+                </a:cubicBezTo>
+                <a:lnTo>
+                  <a:pt x="9098732" y="0"/>
+                </a:lnTo>
+                <a:lnTo>
+                  <a:pt x="9098732" y="6858000"/>
+                </a:lnTo>
+                <a:lnTo>
+                  <a:pt x="0" y="6858000"/>
+                </a:lnTo>
+                <a:lnTo>
+                  <a:pt x="6010589" y="4"/>
+                </a:lnTo>
+                <a:cubicBezTo>
+                  <a:pt x="6010589" y="3"/>
+                  <a:pt x="6010590" y="3"/>
+                  <a:pt x="6010590" y="2"/>
+                </a:cubicBezTo>
+                <a:close/>
+              </a:path>
+            </a:pathLst>
+          </a:custGeom>
+        </p:spPr>
+      </p:pic>
+      <p:sp>
+        <p:nvSpPr>
+          <p:cNvPr id="31" name="Freeform: Shape 25">
+            <a:extLst>
+              <a:ext uri="{FF2B5EF4-FFF2-40B4-BE49-F238E27FC236}">
+                <a16:creationId xmlns:a16="http://schemas.microsoft.com/office/drawing/2014/main" id="{C8C63406-9171-4282-BAAB-2DDC6831F0E6}"/>
+              </a:ext>
+              <a:ext uri="{C183D7F6-B498-43B3-948B-1728B52AA6E4}">
+                <adec:decorative xmlns:adec="http://schemas.microsoft.com/office/drawing/2017/decorative" val="1"/>
+              </a:ext>
+            </a:extLst>
+          </p:cNvPr>
+          <p:cNvSpPr>
+            <a:spLocks noGrp="1" noRot="1" noChangeAspect="1" noMove="1" noResize="1" noEditPoints="1" noAdjustHandles="1" noChangeArrowheads="1" noChangeShapeType="1" noTextEdit="1"/>
+          </p:cNvSpPr>
+          <p:nvPr>
+            <p:extLst>
+              <p:ext uri="{386F3935-93C4-4BCD-93E2-E3B085C9AB24}">
+                <p16:designElem xmlns:p16="http://schemas.microsoft.com/office/powerpoint/2015/main" val="1"/>
+              </p:ext>
+            </p:extLst>
+          </p:nvPr>
+        </p:nvSpPr>
+        <p:spPr>
+          <a:xfrm>
+            <a:off x="3090295" y="-2"/>
+            <a:ext cx="8239927" cy="6858000"/>
+          </a:xfrm>
+          <a:custGeom>
+            <a:avLst/>
+            <a:gdLst>
+              <a:gd name="connsiteX0" fmla="*/ 6010593 w 8239927"/>
+              <a:gd name="connsiteY0" fmla="*/ 0 h 6858000"/>
+              <a:gd name="connsiteX1" fmla="*/ 8239927 w 8239927"/>
+              <a:gd name="connsiteY1" fmla="*/ 0 h 6858000"/>
+              <a:gd name="connsiteX2" fmla="*/ 2229335 w 8239927"/>
+              <a:gd name="connsiteY2" fmla="*/ 6858000 h 6858000"/>
+              <a:gd name="connsiteX3" fmla="*/ 0 w 8239927"/>
+              <a:gd name="connsiteY3" fmla="*/ 6858000 h 6858000"/>
+            </a:gdLst>
+            <a:ahLst/>
+            <a:cxnLst>
+              <a:cxn ang="0">
+                <a:pos x="connsiteX0" y="connsiteY0"/>
+              </a:cxn>
+              <a:cxn ang="0">
+                <a:pos x="connsiteX1" y="connsiteY1"/>
+              </a:cxn>
+              <a:cxn ang="0">
+                <a:pos x="connsiteX2" y="connsiteY2"/>
+              </a:cxn>
+              <a:cxn ang="0">
+                <a:pos x="connsiteX3" y="connsiteY3"/>
+              </a:cxn>
+            </a:cxnLst>
+            <a:rect l="l" t="t" r="r" b="b"/>
+            <a:pathLst>
+              <a:path w="8239927" h="6858000">
+                <a:moveTo>
+                  <a:pt x="6010593" y="0"/>
+                </a:moveTo>
+                <a:lnTo>
+                  <a:pt x="8239927" y="0"/>
+                </a:lnTo>
+                <a:lnTo>
+                  <a:pt x="2229335" y="6858000"/>
+                </a:lnTo>
+                <a:lnTo>
+                  <a:pt x="0" y="6858000"/>
+                </a:lnTo>
+                <a:close/>
+              </a:path>
+            </a:pathLst>
+          </a:custGeom>
+          <a:solidFill>
+            <a:schemeClr val="bg2">
+              <a:alpha val="60000"/>
+            </a:schemeClr>
+          </a:solidFill>
+          <a:ln w="12700" cap="flat" cmpd="sng" algn="ctr">
+            <a:noFill/>
+            <a:prstDash val="solid"/>
+            <a:miter lim="800000"/>
+          </a:ln>
+          <a:effectLst/>
+        </p:spPr>
+        <p:style>
+          <a:lnRef idx="2">
+            <a:schemeClr val="accent1">
+              <a:shade val="50000"/>
+            </a:schemeClr>
+          </a:lnRef>
+          <a:fillRef idx="1">
+            <a:schemeClr val="accent1"/>
+          </a:fillRef>
+          <a:effectRef idx="0">
+            <a:schemeClr val="accent1"/>
+          </a:effectRef>
+          <a:fontRef idx="minor">
+            <a:schemeClr val="lt1"/>
+          </a:fontRef>
+        </p:style>
+        <p:txBody>
+          <a:bodyPr rtlCol="0" anchor="ctr"/>
+          <a:lstStyle/>
+          <a:p>
+            <a:pPr algn="ctr"/>
+            <a:endParaRPr lang="en-US"/>
+          </a:p>
+        </p:txBody>
+      </p:sp>
+      <p:sp>
+        <p:nvSpPr>
+          <p:cNvPr id="2" name="Titel 1">
+            <a:extLst>
+              <a:ext uri="{FF2B5EF4-FFF2-40B4-BE49-F238E27FC236}">
+                <a16:creationId xmlns:a16="http://schemas.microsoft.com/office/drawing/2014/main" id="{677FE3D7-8CDA-E4CD-09F6-49DD111523FA}"/>
+              </a:ext>
+            </a:extLst>
+          </p:cNvPr>
+          <p:cNvSpPr>
+            <a:spLocks noGrp="1"/>
+          </p:cNvSpPr>
+          <p:nvPr>
+            <p:ph type="title"/>
+          </p:nvPr>
+        </p:nvSpPr>
+        <p:spPr>
+          <a:xfrm>
+            <a:off x="1143001" y="872937"/>
+            <a:ext cx="5920740" cy="1360898"/>
           </a:xfrm>
         </p:spPr>
         <p:txBody>
-          <a:bodyPr anchor="t">
+          <a:bodyPr>
             <a:normAutofit/>
           </a:bodyPr>
           <a:lstStyle/>
@@ -5136,36 +5313,54 @@
         </p:nvSpPr>
         <p:spPr>
           <a:xfrm>
-            <a:off x="1143000" y="2057400"/>
-            <a:ext cx="3084871" cy="2280557"/>
+            <a:off x="1143002" y="2332029"/>
+            <a:ext cx="4118906" cy="3840171"/>
           </a:xfrm>
         </p:spPr>
         <p:txBody>
-          <a:bodyPr anchor="b">
+          <a:bodyPr>
             <a:normAutofit/>
           </a:bodyPr>
           <a:lstStyle/>
           <a:p>
             <a:r>
-              <a:rPr lang="de-DE" dirty="0"/>
+              <a:rPr lang="de-DE"/>
               <a:t>Login funktioniert</a:t>
             </a:r>
           </a:p>
           <a:p>
             <a:r>
-              <a:rPr lang="de-DE" dirty="0"/>
-              <a:t>Oberfläche ist in Entwicklung</a:t>
+              <a:rPr lang="de-DE"/>
+              <a:t>Vorschläge von Bestsellern</a:t>
+            </a:r>
+          </a:p>
+          <a:p>
+            <a:r>
+              <a:rPr lang="de-DE"/>
+              <a:t>Suchfunktion für Bücher</a:t>
+            </a:r>
+          </a:p>
+          <a:p>
+            <a:r>
+              <a:rPr lang="de-DE"/>
+              <a:t>Speichern von Büchern in der eigenen Bibliothek </a:t>
+            </a:r>
+          </a:p>
+          <a:p>
+            <a:r>
+              <a:rPr lang="de-DE"/>
+              <a:t>Anzeigen der Eigenen Bibliothek</a:t>
             </a:r>
             <a:br>
-              <a:rPr lang="de-DE" dirty="0"/>
+              <a:rPr lang="de-DE"/>
             </a:br>
-            <a:endParaRPr lang="de-DE" dirty="0"/>
-          </a:p>
-          <a:p>
-            <a:pPr marL="0" indent="0" algn="r">
+            <a:endParaRPr lang="de-DE"/>
+          </a:p>
+          <a:p>
+            <a:pPr marL="0" indent="0">
               <a:buNone/>
             </a:pPr>
-            <a:endParaRPr lang="de-DE" dirty="0"/>
+            <a:endParaRPr lang="de-DE"/>
           </a:p>
         </p:txBody>
       </p:sp>
@@ -5254,6 +5449,12 @@
             </a:r>
           </a:p>
           <a:p>
+            <a:r>
+              <a:rPr lang="de-DE" dirty="0"/>
+              <a:t>Alles</a:t>
+            </a:r>
+          </a:p>
+          <a:p>
             <a:endParaRPr lang="de-DE" dirty="0"/>
           </a:p>
         </p:txBody>
@@ -5274,6 +5475,14 @@
 <file path=ppt/slides/slide7.xml><?xml version="1.0" encoding="utf-8"?>
 <p:sld xmlns:a="http://schemas.openxmlformats.org/drawingml/2006/main" xmlns:r="http://schemas.openxmlformats.org/officeDocument/2006/relationships" xmlns:p="http://schemas.openxmlformats.org/presentationml/2006/main">
   <p:cSld>
+    <p:bg>
+      <p:bgPr>
+        <a:solidFill>
+          <a:schemeClr val="bg1"/>
+        </a:solidFill>
+        <a:effectLst/>
+      </p:bgPr>
+    </p:bg>
     <p:spTree>
       <p:nvGrpSpPr>
         <p:cNvPr id="1" name=""/>
@@ -5288,6 +5497,301 @@
           <a:chExt cx="0" cy="0"/>
         </a:xfrm>
       </p:grpSpPr>
+      <p:sp useBgFill="1">
+        <p:nvSpPr>
+          <p:cNvPr id="1033" name="Rectangle 1032">
+            <a:extLst>
+              <a:ext uri="{FF2B5EF4-FFF2-40B4-BE49-F238E27FC236}">
+                <a16:creationId xmlns:a16="http://schemas.microsoft.com/office/drawing/2014/main" id="{AB20E7A4-EC2C-47C8-BE55-65771E3F2EDA}"/>
+              </a:ext>
+              <a:ext uri="{C183D7F6-B498-43B3-948B-1728B52AA6E4}">
+                <adec:decorative xmlns:adec="http://schemas.microsoft.com/office/drawing/2017/decorative" val="1"/>
+              </a:ext>
+            </a:extLst>
+          </p:cNvPr>
+          <p:cNvSpPr>
+            <a:spLocks noGrp="1" noRot="1" noChangeAspect="1" noMove="1" noResize="1" noEditPoints="1" noAdjustHandles="1" noChangeArrowheads="1" noChangeShapeType="1" noTextEdit="1"/>
+          </p:cNvSpPr>
+          <p:nvPr>
+            <p:extLst>
+              <p:ext uri="{386F3935-93C4-4BCD-93E2-E3B085C9AB24}">
+                <p16:designElem xmlns:p16="http://schemas.microsoft.com/office/powerpoint/2015/main" val="1"/>
+              </p:ext>
+            </p:extLst>
+          </p:nvPr>
+        </p:nvSpPr>
+        <p:spPr>
+          <a:xfrm>
+            <a:off x="0" y="0"/>
+            <a:ext cx="12192000" cy="6858000"/>
+          </a:xfrm>
+          <a:prstGeom prst="rect">
+            <a:avLst/>
+          </a:prstGeom>
+          <a:ln w="12700" cap="flat" cmpd="sng" algn="ctr">
+            <a:noFill/>
+            <a:prstDash val="solid"/>
+            <a:miter lim="800000"/>
+          </a:ln>
+          <a:effectLst/>
+          <a:extLst>
+            <a:ext uri="{91240B29-F687-4F45-9708-019B960494DF}">
+              <a14:hiddenLine xmlns:a14="http://schemas.microsoft.com/office/drawing/2010/main" w="12700" cap="flat" cmpd="sng" algn="ctr">
+                <a:solidFill>
+                  <a:schemeClr val="accent1">
+                    <a:shade val="50000"/>
+                  </a:schemeClr>
+                </a:solidFill>
+                <a:prstDash val="solid"/>
+                <a:miter lim="800000"/>
+              </a14:hiddenLine>
+            </a:ext>
+          </a:extLst>
+        </p:spPr>
+        <p:style>
+          <a:lnRef idx="2">
+            <a:schemeClr val="accent1">
+              <a:shade val="50000"/>
+            </a:schemeClr>
+          </a:lnRef>
+          <a:fillRef idx="1">
+            <a:schemeClr val="accent1"/>
+          </a:fillRef>
+          <a:effectRef idx="0">
+            <a:schemeClr val="accent1"/>
+          </a:effectRef>
+          <a:fontRef idx="minor">
+            <a:schemeClr val="lt1"/>
+          </a:fontRef>
+        </p:style>
+        <p:txBody>
+          <a:bodyPr rtlCol="0" anchor="ctr"/>
+          <a:lstStyle/>
+          <a:p>
+            <a:pPr algn="ctr"/>
+            <a:endParaRPr lang="en-US"/>
+          </a:p>
+        </p:txBody>
+      </p:sp>
+      <p:sp>
+        <p:nvSpPr>
+          <p:cNvPr id="1035" name="Freeform: Shape 1034">
+            <a:extLst>
+              <a:ext uri="{FF2B5EF4-FFF2-40B4-BE49-F238E27FC236}">
+                <a16:creationId xmlns:a16="http://schemas.microsoft.com/office/drawing/2014/main" id="{1CF23DDA-0D09-4FE5-AE88-EBBE5E02467C}"/>
+              </a:ext>
+              <a:ext uri="{C183D7F6-B498-43B3-948B-1728B52AA6E4}">
+                <adec:decorative xmlns:adec="http://schemas.microsoft.com/office/drawing/2017/decorative" val="1"/>
+              </a:ext>
+            </a:extLst>
+          </p:cNvPr>
+          <p:cNvSpPr>
+            <a:spLocks noGrp="1" noRot="1" noChangeAspect="1" noMove="1" noResize="1" noEditPoints="1" noAdjustHandles="1" noChangeArrowheads="1" noChangeShapeType="1" noTextEdit="1"/>
+          </p:cNvSpPr>
+          <p:nvPr>
+            <p:extLst>
+              <p:ext uri="{386F3935-93C4-4BCD-93E2-E3B085C9AB24}">
+                <p16:designElem xmlns:p16="http://schemas.microsoft.com/office/powerpoint/2015/main" val="1"/>
+              </p:ext>
+            </p:extLst>
+          </p:nvPr>
+        </p:nvSpPr>
+        <p:spPr>
+          <a:xfrm rot="10800000">
+            <a:off x="0" y="0"/>
+            <a:ext cx="6885325" cy="6858000"/>
+          </a:xfrm>
+          <a:custGeom>
+            <a:avLst/>
+            <a:gdLst>
+              <a:gd name="connsiteX0" fmla="*/ 4456883 w 6885325"/>
+              <a:gd name="connsiteY0" fmla="*/ 6858000 h 6858000"/>
+              <a:gd name="connsiteX1" fmla="*/ 0 w 6885325"/>
+              <a:gd name="connsiteY1" fmla="*/ 6858000 h 6858000"/>
+              <a:gd name="connsiteX2" fmla="*/ 6010592 w 6885325"/>
+              <a:gd name="connsiteY2" fmla="*/ 0 h 6858000"/>
+              <a:gd name="connsiteX3" fmla="*/ 6885325 w 6885325"/>
+              <a:gd name="connsiteY3" fmla="*/ 0 h 6858000"/>
+              <a:gd name="connsiteX4" fmla="*/ 6885325 w 6885325"/>
+              <a:gd name="connsiteY4" fmla="*/ 1545581 h 6858000"/>
+              <a:gd name="connsiteX5" fmla="*/ 6885324 w 6885325"/>
+              <a:gd name="connsiteY5" fmla="*/ 1545582 h 6858000"/>
+              <a:gd name="connsiteX6" fmla="*/ 6885324 w 6885325"/>
+              <a:gd name="connsiteY6" fmla="*/ 4070877 h 6858000"/>
+              <a:gd name="connsiteX7" fmla="*/ 6885325 w 6885325"/>
+              <a:gd name="connsiteY7" fmla="*/ 4070876 h 6858000"/>
+              <a:gd name="connsiteX8" fmla="*/ 6885325 w 6885325"/>
+              <a:gd name="connsiteY8" fmla="*/ 6857999 h 6858000"/>
+              <a:gd name="connsiteX9" fmla="*/ 4456884 w 6885325"/>
+              <a:gd name="connsiteY9" fmla="*/ 6857999 h 6858000"/>
+              <a:gd name="connsiteX0" fmla="*/ 4456884 w 6885325"/>
+              <a:gd name="connsiteY0" fmla="*/ 6857999 h 6858000"/>
+              <a:gd name="connsiteX1" fmla="*/ 0 w 6885325"/>
+              <a:gd name="connsiteY1" fmla="*/ 6858000 h 6858000"/>
+              <a:gd name="connsiteX2" fmla="*/ 6010592 w 6885325"/>
+              <a:gd name="connsiteY2" fmla="*/ 0 h 6858000"/>
+              <a:gd name="connsiteX3" fmla="*/ 6885325 w 6885325"/>
+              <a:gd name="connsiteY3" fmla="*/ 0 h 6858000"/>
+              <a:gd name="connsiteX4" fmla="*/ 6885325 w 6885325"/>
+              <a:gd name="connsiteY4" fmla="*/ 1545581 h 6858000"/>
+              <a:gd name="connsiteX5" fmla="*/ 6885324 w 6885325"/>
+              <a:gd name="connsiteY5" fmla="*/ 1545582 h 6858000"/>
+              <a:gd name="connsiteX6" fmla="*/ 6885324 w 6885325"/>
+              <a:gd name="connsiteY6" fmla="*/ 4070877 h 6858000"/>
+              <a:gd name="connsiteX7" fmla="*/ 6885325 w 6885325"/>
+              <a:gd name="connsiteY7" fmla="*/ 4070876 h 6858000"/>
+              <a:gd name="connsiteX8" fmla="*/ 6885325 w 6885325"/>
+              <a:gd name="connsiteY8" fmla="*/ 6857999 h 6858000"/>
+              <a:gd name="connsiteX9" fmla="*/ 4456884 w 6885325"/>
+              <a:gd name="connsiteY9" fmla="*/ 6857999 h 6858000"/>
+              <a:gd name="connsiteX0" fmla="*/ 6885325 w 6885325"/>
+              <a:gd name="connsiteY0" fmla="*/ 6857999 h 6858000"/>
+              <a:gd name="connsiteX1" fmla="*/ 0 w 6885325"/>
+              <a:gd name="connsiteY1" fmla="*/ 6858000 h 6858000"/>
+              <a:gd name="connsiteX2" fmla="*/ 6010592 w 6885325"/>
+              <a:gd name="connsiteY2" fmla="*/ 0 h 6858000"/>
+              <a:gd name="connsiteX3" fmla="*/ 6885325 w 6885325"/>
+              <a:gd name="connsiteY3" fmla="*/ 0 h 6858000"/>
+              <a:gd name="connsiteX4" fmla="*/ 6885325 w 6885325"/>
+              <a:gd name="connsiteY4" fmla="*/ 1545581 h 6858000"/>
+              <a:gd name="connsiteX5" fmla="*/ 6885324 w 6885325"/>
+              <a:gd name="connsiteY5" fmla="*/ 1545582 h 6858000"/>
+              <a:gd name="connsiteX6" fmla="*/ 6885324 w 6885325"/>
+              <a:gd name="connsiteY6" fmla="*/ 4070877 h 6858000"/>
+              <a:gd name="connsiteX7" fmla="*/ 6885325 w 6885325"/>
+              <a:gd name="connsiteY7" fmla="*/ 4070876 h 6858000"/>
+              <a:gd name="connsiteX8" fmla="*/ 6885325 w 6885325"/>
+              <a:gd name="connsiteY8" fmla="*/ 6857999 h 6858000"/>
+              <a:gd name="connsiteX0" fmla="*/ 6885325 w 6885325"/>
+              <a:gd name="connsiteY0" fmla="*/ 6857999 h 6858000"/>
+              <a:gd name="connsiteX1" fmla="*/ 0 w 6885325"/>
+              <a:gd name="connsiteY1" fmla="*/ 6858000 h 6858000"/>
+              <a:gd name="connsiteX2" fmla="*/ 6010592 w 6885325"/>
+              <a:gd name="connsiteY2" fmla="*/ 0 h 6858000"/>
+              <a:gd name="connsiteX3" fmla="*/ 6885325 w 6885325"/>
+              <a:gd name="connsiteY3" fmla="*/ 0 h 6858000"/>
+              <a:gd name="connsiteX4" fmla="*/ 6885325 w 6885325"/>
+              <a:gd name="connsiteY4" fmla="*/ 1545581 h 6858000"/>
+              <a:gd name="connsiteX5" fmla="*/ 6885324 w 6885325"/>
+              <a:gd name="connsiteY5" fmla="*/ 1545582 h 6858000"/>
+              <a:gd name="connsiteX6" fmla="*/ 6885324 w 6885325"/>
+              <a:gd name="connsiteY6" fmla="*/ 4070877 h 6858000"/>
+              <a:gd name="connsiteX7" fmla="*/ 6885325 w 6885325"/>
+              <a:gd name="connsiteY7" fmla="*/ 6857999 h 6858000"/>
+              <a:gd name="connsiteX0" fmla="*/ 6885325 w 6885325"/>
+              <a:gd name="connsiteY0" fmla="*/ 6857999 h 6858000"/>
+              <a:gd name="connsiteX1" fmla="*/ 0 w 6885325"/>
+              <a:gd name="connsiteY1" fmla="*/ 6858000 h 6858000"/>
+              <a:gd name="connsiteX2" fmla="*/ 6010592 w 6885325"/>
+              <a:gd name="connsiteY2" fmla="*/ 0 h 6858000"/>
+              <a:gd name="connsiteX3" fmla="*/ 6885325 w 6885325"/>
+              <a:gd name="connsiteY3" fmla="*/ 0 h 6858000"/>
+              <a:gd name="connsiteX4" fmla="*/ 6885325 w 6885325"/>
+              <a:gd name="connsiteY4" fmla="*/ 1545581 h 6858000"/>
+              <a:gd name="connsiteX5" fmla="*/ 6885324 w 6885325"/>
+              <a:gd name="connsiteY5" fmla="*/ 1545582 h 6858000"/>
+              <a:gd name="connsiteX6" fmla="*/ 6885325 w 6885325"/>
+              <a:gd name="connsiteY6" fmla="*/ 6857999 h 6858000"/>
+              <a:gd name="connsiteX0" fmla="*/ 6885325 w 6885325"/>
+              <a:gd name="connsiteY0" fmla="*/ 6857999 h 6858000"/>
+              <a:gd name="connsiteX1" fmla="*/ 0 w 6885325"/>
+              <a:gd name="connsiteY1" fmla="*/ 6858000 h 6858000"/>
+              <a:gd name="connsiteX2" fmla="*/ 6010592 w 6885325"/>
+              <a:gd name="connsiteY2" fmla="*/ 0 h 6858000"/>
+              <a:gd name="connsiteX3" fmla="*/ 6885325 w 6885325"/>
+              <a:gd name="connsiteY3" fmla="*/ 0 h 6858000"/>
+              <a:gd name="connsiteX4" fmla="*/ 6885325 w 6885325"/>
+              <a:gd name="connsiteY4" fmla="*/ 1545581 h 6858000"/>
+              <a:gd name="connsiteX5" fmla="*/ 6885325 w 6885325"/>
+              <a:gd name="connsiteY5" fmla="*/ 6857999 h 6858000"/>
+              <a:gd name="connsiteX0" fmla="*/ 6885325 w 6885325"/>
+              <a:gd name="connsiteY0" fmla="*/ 6857999 h 6858000"/>
+              <a:gd name="connsiteX1" fmla="*/ 0 w 6885325"/>
+              <a:gd name="connsiteY1" fmla="*/ 6858000 h 6858000"/>
+              <a:gd name="connsiteX2" fmla="*/ 6010592 w 6885325"/>
+              <a:gd name="connsiteY2" fmla="*/ 0 h 6858000"/>
+              <a:gd name="connsiteX3" fmla="*/ 6885325 w 6885325"/>
+              <a:gd name="connsiteY3" fmla="*/ 0 h 6858000"/>
+              <a:gd name="connsiteX4" fmla="*/ 6885325 w 6885325"/>
+              <a:gd name="connsiteY4" fmla="*/ 6857999 h 6858000"/>
+            </a:gdLst>
+            <a:ahLst/>
+            <a:cxnLst>
+              <a:cxn ang="0">
+                <a:pos x="connsiteX0" y="connsiteY0"/>
+              </a:cxn>
+              <a:cxn ang="0">
+                <a:pos x="connsiteX1" y="connsiteY1"/>
+              </a:cxn>
+              <a:cxn ang="0">
+                <a:pos x="connsiteX2" y="connsiteY2"/>
+              </a:cxn>
+              <a:cxn ang="0">
+                <a:pos x="connsiteX3" y="connsiteY3"/>
+              </a:cxn>
+              <a:cxn ang="0">
+                <a:pos x="connsiteX4" y="connsiteY4"/>
+              </a:cxn>
+            </a:cxnLst>
+            <a:rect l="l" t="t" r="r" b="b"/>
+            <a:pathLst>
+              <a:path w="6885325" h="6858000">
+                <a:moveTo>
+                  <a:pt x="6885325" y="6857999"/>
+                </a:moveTo>
+                <a:lnTo>
+                  <a:pt x="0" y="6858000"/>
+                </a:lnTo>
+                <a:lnTo>
+                  <a:pt x="6010592" y="0"/>
+                </a:lnTo>
+                <a:lnTo>
+                  <a:pt x="6885325" y="0"/>
+                </a:lnTo>
+                <a:lnTo>
+                  <a:pt x="6885325" y="6857999"/>
+                </a:lnTo>
+                <a:close/>
+              </a:path>
+            </a:pathLst>
+          </a:custGeom>
+          <a:solidFill>
+            <a:schemeClr val="bg2"/>
+          </a:solidFill>
+          <a:ln w="12700" cap="flat" cmpd="sng" algn="ctr">
+            <a:noFill/>
+            <a:prstDash val="solid"/>
+            <a:miter lim="800000"/>
+          </a:ln>
+          <a:effectLst/>
+        </p:spPr>
+        <p:style>
+          <a:lnRef idx="2">
+            <a:schemeClr val="accent1">
+              <a:shade val="50000"/>
+            </a:schemeClr>
+          </a:lnRef>
+          <a:fillRef idx="1">
+            <a:schemeClr val="accent1"/>
+          </a:fillRef>
+          <a:effectRef idx="0">
+            <a:schemeClr val="accent1"/>
+          </a:effectRef>
+          <a:fontRef idx="minor">
+            <a:schemeClr val="lt1"/>
+          </a:fontRef>
+        </p:style>
+        <p:txBody>
+          <a:bodyPr wrap="square" rtlCol="0" anchor="ctr">
+            <a:noAutofit/>
+          </a:bodyPr>
+          <a:lstStyle/>
+          <a:p>
+            <a:pPr algn="ctr"/>
+            <a:endParaRPr lang="en-US"/>
+          </a:p>
+        </p:txBody>
+      </p:sp>
       <p:sp>
         <p:nvSpPr>
           <p:cNvPr id="2" name="Titel 1">
@@ -5304,9 +5808,16 @@
             <p:ph type="title"/>
           </p:nvPr>
         </p:nvSpPr>
-        <p:spPr/>
-        <p:txBody>
-          <a:bodyPr/>
+        <p:spPr>
+          <a:xfrm>
+            <a:off x="1143001" y="1181100"/>
+            <a:ext cx="3894412" cy="1916773"/>
+          </a:xfrm>
+        </p:spPr>
+        <p:txBody>
+          <a:bodyPr anchor="t">
+            <a:normAutofit/>
+          </a:bodyPr>
           <a:lstStyle/>
           <a:p>
             <a:r>
@@ -5316,6 +5827,52 @@
           </a:p>
         </p:txBody>
       </p:sp>
+      <p:pic>
+        <p:nvPicPr>
+          <p:cNvPr id="1028" name="Picture 4" descr="undefined">
+            <a:extLst>
+              <a:ext uri="{FF2B5EF4-FFF2-40B4-BE49-F238E27FC236}">
+                <a16:creationId xmlns:a16="http://schemas.microsoft.com/office/drawing/2014/main" id="{DEB39E16-CD82-AD22-F866-65CEFA169AB9}"/>
+              </a:ext>
+            </a:extLst>
+          </p:cNvPr>
+          <p:cNvPicPr>
+            <a:picLocks noChangeAspect="1" noChangeArrowheads="1"/>
+          </p:cNvPicPr>
+          <p:nvPr/>
+        </p:nvPicPr>
+        <p:blipFill>
+          <a:blip r:embed="rId2">
+            <a:extLst>
+              <a:ext uri="{28A0092B-C50C-407E-A947-70E740481C1C}">
+                <a14:useLocalDpi xmlns:a14="http://schemas.microsoft.com/office/drawing/2010/main" val="0"/>
+              </a:ext>
+            </a:extLst>
+          </a:blip>
+          <a:stretch>
+            <a:fillRect/>
+          </a:stretch>
+        </p:blipFill>
+        <p:spPr bwMode="auto">
+          <a:xfrm>
+            <a:off x="6780082" y="1271654"/>
+            <a:ext cx="3584835" cy="1810342"/>
+          </a:xfrm>
+          <a:prstGeom prst="rect">
+            <a:avLst/>
+          </a:prstGeom>
+          <a:noFill/>
+          <a:extLst>
+            <a:ext uri="{909E8E84-426E-40DD-AFC4-6F175D3DCCD1}">
+              <a14:hiddenFill xmlns:a14="http://schemas.microsoft.com/office/drawing/2010/main">
+                <a:solidFill>
+                  <a:srgbClr val="FFFFFF"/>
+                </a:solidFill>
+              </a14:hiddenFill>
+            </a:ext>
+          </a:extLst>
+        </p:spPr>
+      </p:pic>
       <p:sp>
         <p:nvSpPr>
           <p:cNvPr id="3" name="Inhaltsplatzhalter 2">
@@ -5332,30 +5889,103 @@
             <p:ph idx="1"/>
           </p:nvPr>
         </p:nvSpPr>
-        <p:spPr/>
-        <p:txBody>
-          <a:bodyPr/>
-          <a:lstStyle/>
-          <a:p>
+        <p:spPr>
+          <a:xfrm>
+            <a:off x="5453548" y="3362266"/>
+            <a:ext cx="5595452" cy="2352733"/>
+          </a:xfrm>
+        </p:spPr>
+        <p:txBody>
+          <a:bodyPr anchor="b">
+            <a:normAutofit/>
+          </a:bodyPr>
+          <a:lstStyle/>
+          <a:p>
+            <a:pPr algn="r"/>
             <a:r>
               <a:rPr lang="de-DE" dirty="0"/>
-              <a:t>Anbindung APIs</a:t>
-            </a:r>
-          </a:p>
-          <a:p>
+              <a:t>Fehlerbehebung</a:t>
+            </a:r>
+            <a:endParaRPr lang="de-DE"/>
+          </a:p>
+          <a:p>
+            <a:pPr algn="r"/>
             <a:r>
               <a:rPr lang="de-DE" dirty="0"/>
-              <a:t>Design</a:t>
-            </a:r>
-          </a:p>
-          <a:p>
+              <a:t>Einbindung von Film API</a:t>
+            </a:r>
+            <a:endParaRPr lang="de-DE"/>
+          </a:p>
+          <a:p>
+            <a:pPr algn="r"/>
             <a:r>
               <a:rPr lang="de-DE" dirty="0"/>
-              <a:t>Speicherung in Datenbank</a:t>
-            </a:r>
-          </a:p>
-        </p:txBody>
-      </p:sp>
+              <a:t>Speicherung von Filmen</a:t>
+            </a:r>
+            <a:endParaRPr lang="de-DE"/>
+          </a:p>
+          <a:p>
+            <a:pPr algn="r"/>
+            <a:r>
+              <a:rPr lang="de-DE" dirty="0"/>
+              <a:t>(Empfehlungssystem)</a:t>
+            </a:r>
+            <a:endParaRPr lang="de-DE"/>
+          </a:p>
+        </p:txBody>
+      </p:sp>
+      <p:cxnSp>
+        <p:nvCxnSpPr>
+          <p:cNvPr id="1037" name="Straight Connector 1036">
+            <a:extLst>
+              <a:ext uri="{FF2B5EF4-FFF2-40B4-BE49-F238E27FC236}">
+                <a16:creationId xmlns:a16="http://schemas.microsoft.com/office/drawing/2014/main" id="{1766FD2F-248A-4AA1-8078-E26D6E690BB9}"/>
+              </a:ext>
+              <a:ext uri="{C183D7F6-B498-43B3-948B-1728B52AA6E4}">
+                <adec:decorative xmlns:adec="http://schemas.microsoft.com/office/drawing/2017/decorative" val="1"/>
+              </a:ext>
+            </a:extLst>
+          </p:cNvPr>
+          <p:cNvCxnSpPr>
+            <a:cxnSpLocks noGrp="1" noRot="1" noChangeAspect="1" noMove="1" noResize="1" noEditPoints="1" noAdjustHandles="1" noChangeArrowheads="1" noChangeShapeType="1"/>
+          </p:cNvCxnSpPr>
+          <p:nvPr>
+            <p:extLst>
+              <p:ext uri="{386F3935-93C4-4BCD-93E2-E3B085C9AB24}">
+                <p16:designElem xmlns:p16="http://schemas.microsoft.com/office/powerpoint/2015/main" val="1"/>
+              </p:ext>
+            </p:extLst>
+          </p:nvPr>
+        </p:nvCxnSpPr>
+        <p:spPr>
+          <a:xfrm>
+            <a:off x="1233837" y="6172200"/>
+            <a:ext cx="9760638" cy="0"/>
+          </a:xfrm>
+          <a:prstGeom prst="line">
+            <a:avLst/>
+          </a:prstGeom>
+          <a:ln w="12700">
+            <a:solidFill>
+              <a:schemeClr val="tx1"/>
+            </a:solidFill>
+          </a:ln>
+        </p:spPr>
+        <p:style>
+          <a:lnRef idx="1">
+            <a:schemeClr val="accent1"/>
+          </a:lnRef>
+          <a:fillRef idx="0">
+            <a:schemeClr val="accent1"/>
+          </a:fillRef>
+          <a:effectRef idx="0">
+            <a:schemeClr val="accent1"/>
+          </a:effectRef>
+          <a:fontRef idx="minor">
+            <a:schemeClr val="tx1"/>
+          </a:fontRef>
+        </p:style>
+      </p:cxnSp>
     </p:spTree>
     <p:extLst>
       <p:ext uri="{BB962C8B-B14F-4D97-AF65-F5344CB8AC3E}">

--- a/ScreenTale/Projektmanagement/Projekt Präsentationen/ScreenTale Zwischenpräsentation _14_02_2024.pptx
+++ b/ScreenTale/Projektmanagement/Projekt Präsentationen/ScreenTale Zwischenpräsentation _14_02_2024.pptx
@@ -4528,7 +4528,7 @@
           <a:p>
             <a:r>
               <a:rPr lang="de-DE" dirty="0"/>
-              <a:t>Erfolge / Herausforderungen</a:t>
+              <a:t>Herausforderungen</a:t>
             </a:r>
           </a:p>
           <a:p>
@@ -5009,7 +5009,7 @@
       </p:grpSpPr>
       <p:sp useBgFill="1">
         <p:nvSpPr>
-          <p:cNvPr id="30" name="Rectangle 23">
+          <p:cNvPr id="40" name="Rectangle 35">
             <a:extLst>
               <a:ext uri="{FF2B5EF4-FFF2-40B4-BE49-F238E27FC236}">
                 <a16:creationId xmlns:a16="http://schemas.microsoft.com/office/drawing/2014/main" id="{685B57F6-59DE-4274-A37C-F47FE4E42EEF}"/>
@@ -5151,7 +5151,7 @@
       </p:pic>
       <p:sp>
         <p:nvSpPr>
-          <p:cNvPr id="31" name="Freeform: Shape 25">
+          <p:cNvPr id="41" name="Freeform: Shape 37">
             <a:extLst>
               <a:ext uri="{FF2B5EF4-FFF2-40B4-BE49-F238E27FC236}">
                 <a16:creationId xmlns:a16="http://schemas.microsoft.com/office/drawing/2014/main" id="{C8C63406-9171-4282-BAAB-2DDC6831F0E6}"/>
@@ -5349,7 +5349,7 @@
           <a:p>
             <a:r>
               <a:rPr lang="de-DE"/>
-              <a:t>Anzeigen der Eigenen Bibliothek</a:t>
+              <a:t>Anzeigen der eigenen Bibliothek</a:t>
             </a:r>
             <a:br>
               <a:rPr lang="de-DE"/>
@@ -5360,7 +5360,7 @@
             <a:pPr marL="0" indent="0">
               <a:buNone/>
             </a:pPr>
-            <a:endParaRPr lang="de-DE"/>
+            <a:endParaRPr lang="de-DE" dirty="0"/>
           </a:p>
         </p:txBody>
       </p:sp>
@@ -5378,101 +5378,6 @@
 </file>
 
 <file path=ppt/slides/slide6.xml><?xml version="1.0" encoding="utf-8"?>
-<p:sld xmlns:a="http://schemas.openxmlformats.org/drawingml/2006/main" xmlns:r="http://schemas.openxmlformats.org/officeDocument/2006/relationships" xmlns:p="http://schemas.openxmlformats.org/presentationml/2006/main">
-  <p:cSld>
-    <p:spTree>
-      <p:nvGrpSpPr>
-        <p:cNvPr id="1" name=""/>
-        <p:cNvGrpSpPr/>
-        <p:nvPr/>
-      </p:nvGrpSpPr>
-      <p:grpSpPr>
-        <a:xfrm>
-          <a:off x="0" y="0"/>
-          <a:ext cx="0" cy="0"/>
-          <a:chOff x="0" y="0"/>
-          <a:chExt cx="0" cy="0"/>
-        </a:xfrm>
-      </p:grpSpPr>
-      <p:sp>
-        <p:nvSpPr>
-          <p:cNvPr id="2" name="Titel 1">
-            <a:extLst>
-              <a:ext uri="{FF2B5EF4-FFF2-40B4-BE49-F238E27FC236}">
-                <a16:creationId xmlns:a16="http://schemas.microsoft.com/office/drawing/2014/main" id="{7750BE6C-0C4C-5A8B-4F5F-32403392976D}"/>
-              </a:ext>
-            </a:extLst>
-          </p:cNvPr>
-          <p:cNvSpPr>
-            <a:spLocks noGrp="1"/>
-          </p:cNvSpPr>
-          <p:nvPr>
-            <p:ph type="title"/>
-          </p:nvPr>
-        </p:nvSpPr>
-        <p:spPr/>
-        <p:txBody>
-          <a:bodyPr/>
-          <a:lstStyle/>
-          <a:p>
-            <a:r>
-              <a:rPr lang="de-DE" dirty="0"/>
-              <a:t>Erfolge / Herausforderungen</a:t>
-            </a:r>
-          </a:p>
-        </p:txBody>
-      </p:sp>
-      <p:sp>
-        <p:nvSpPr>
-          <p:cNvPr id="3" name="Inhaltsplatzhalter 2">
-            <a:extLst>
-              <a:ext uri="{FF2B5EF4-FFF2-40B4-BE49-F238E27FC236}">
-                <a16:creationId xmlns:a16="http://schemas.microsoft.com/office/drawing/2014/main" id="{45341D8A-95F4-93B3-65FE-EACFBB3D45E6}"/>
-              </a:ext>
-            </a:extLst>
-          </p:cNvPr>
-          <p:cNvSpPr>
-            <a:spLocks noGrp="1"/>
-          </p:cNvSpPr>
-          <p:nvPr>
-            <p:ph idx="1"/>
-          </p:nvPr>
-        </p:nvSpPr>
-        <p:spPr/>
-        <p:txBody>
-          <a:bodyPr/>
-          <a:lstStyle/>
-          <a:p>
-            <a:r>
-              <a:rPr lang="de-DE" dirty="0"/>
-              <a:t>Anbindung APIs</a:t>
-            </a:r>
-          </a:p>
-          <a:p>
-            <a:r>
-              <a:rPr lang="de-DE" dirty="0"/>
-              <a:t>Alles</a:t>
-            </a:r>
-          </a:p>
-          <a:p>
-            <a:endParaRPr lang="de-DE" dirty="0"/>
-          </a:p>
-        </p:txBody>
-      </p:sp>
-    </p:spTree>
-    <p:extLst>
-      <p:ext uri="{BB962C8B-B14F-4D97-AF65-F5344CB8AC3E}">
-        <p14:creationId xmlns:p14="http://schemas.microsoft.com/office/powerpoint/2010/main" val="39764193"/>
-      </p:ext>
-    </p:extLst>
-  </p:cSld>
-  <p:clrMapOvr>
-    <a:masterClrMapping/>
-  </p:clrMapOvr>
-</p:sld>
-</file>
-
-<file path=ppt/slides/slide7.xml><?xml version="1.0" encoding="utf-8"?>
 <p:sld xmlns:a="http://schemas.openxmlformats.org/drawingml/2006/main" xmlns:r="http://schemas.openxmlformats.org/officeDocument/2006/relationships" xmlns:p="http://schemas.openxmlformats.org/presentationml/2006/main">
   <p:cSld>
     <p:bg>
@@ -5499,10 +5404,10 @@
       </p:grpSpPr>
       <p:sp useBgFill="1">
         <p:nvSpPr>
-          <p:cNvPr id="1033" name="Rectangle 1032">
-            <a:extLst>
-              <a:ext uri="{FF2B5EF4-FFF2-40B4-BE49-F238E27FC236}">
-                <a16:creationId xmlns:a16="http://schemas.microsoft.com/office/drawing/2014/main" id="{AB20E7A4-EC2C-47C8-BE55-65771E3F2EDA}"/>
+          <p:cNvPr id="60" name="Rectangle 59">
+            <a:extLst>
+              <a:ext uri="{FF2B5EF4-FFF2-40B4-BE49-F238E27FC236}">
+                <a16:creationId xmlns:a16="http://schemas.microsoft.com/office/drawing/2014/main" id="{327AB4C5-0719-4E35-87CD-199EB59E3EE5}"/>
               </a:ext>
               <a:ext uri="{C183D7F6-B498-43B3-948B-1728B52AA6E4}">
                 <adec:decorative xmlns:adec="http://schemas.microsoft.com/office/drawing/2017/decorative" val="1"/>
@@ -5575,10 +5480,10 @@
       </p:sp>
       <p:sp>
         <p:nvSpPr>
-          <p:cNvPr id="1035" name="Freeform: Shape 1034">
-            <a:extLst>
-              <a:ext uri="{FF2B5EF4-FFF2-40B4-BE49-F238E27FC236}">
-                <a16:creationId xmlns:a16="http://schemas.microsoft.com/office/drawing/2014/main" id="{1CF23DDA-0D09-4FE5-AE88-EBBE5E02467C}"/>
+          <p:cNvPr id="62" name="Freeform: Shape 61">
+            <a:extLst>
+              <a:ext uri="{FF2B5EF4-FFF2-40B4-BE49-F238E27FC236}">
+                <a16:creationId xmlns:a16="http://schemas.microsoft.com/office/drawing/2014/main" id="{6AD2284B-B8B7-4BE1-A9DE-32E5FCF7BBFC}"/>
               </a:ext>
               <a:ext uri="{C183D7F6-B498-43B3-948B-1728B52AA6E4}">
                 <adec:decorative xmlns:adec="http://schemas.microsoft.com/office/drawing/2017/decorative" val="1"/>
@@ -5597,123 +5502,45 @@
           </p:nvPr>
         </p:nvSpPr>
         <p:spPr>
-          <a:xfrm rot="10800000">
-            <a:off x="0" y="0"/>
-            <a:ext cx="6885325" cy="6858000"/>
+          <a:xfrm rot="16200000" flipH="1" flipV="1">
+            <a:off x="1127553" y="-1127553"/>
+            <a:ext cx="6858000" cy="9113106"/>
           </a:xfrm>
           <a:custGeom>
             <a:avLst/>
             <a:gdLst>
-              <a:gd name="connsiteX0" fmla="*/ 4456883 w 6885325"/>
-              <a:gd name="connsiteY0" fmla="*/ 6858000 h 6858000"/>
-              <a:gd name="connsiteX1" fmla="*/ 0 w 6885325"/>
-              <a:gd name="connsiteY1" fmla="*/ 6858000 h 6858000"/>
-              <a:gd name="connsiteX2" fmla="*/ 6010592 w 6885325"/>
-              <a:gd name="connsiteY2" fmla="*/ 0 h 6858000"/>
-              <a:gd name="connsiteX3" fmla="*/ 6885325 w 6885325"/>
-              <a:gd name="connsiteY3" fmla="*/ 0 h 6858000"/>
-              <a:gd name="connsiteX4" fmla="*/ 6885325 w 6885325"/>
-              <a:gd name="connsiteY4" fmla="*/ 1545581 h 6858000"/>
-              <a:gd name="connsiteX5" fmla="*/ 6885324 w 6885325"/>
-              <a:gd name="connsiteY5" fmla="*/ 1545582 h 6858000"/>
-              <a:gd name="connsiteX6" fmla="*/ 6885324 w 6885325"/>
-              <a:gd name="connsiteY6" fmla="*/ 4070877 h 6858000"/>
-              <a:gd name="connsiteX7" fmla="*/ 6885325 w 6885325"/>
-              <a:gd name="connsiteY7" fmla="*/ 4070876 h 6858000"/>
-              <a:gd name="connsiteX8" fmla="*/ 6885325 w 6885325"/>
-              <a:gd name="connsiteY8" fmla="*/ 6857999 h 6858000"/>
-              <a:gd name="connsiteX9" fmla="*/ 4456884 w 6885325"/>
-              <a:gd name="connsiteY9" fmla="*/ 6857999 h 6858000"/>
-              <a:gd name="connsiteX0" fmla="*/ 4456884 w 6885325"/>
-              <a:gd name="connsiteY0" fmla="*/ 6857999 h 6858000"/>
-              <a:gd name="connsiteX1" fmla="*/ 0 w 6885325"/>
-              <a:gd name="connsiteY1" fmla="*/ 6858000 h 6858000"/>
-              <a:gd name="connsiteX2" fmla="*/ 6010592 w 6885325"/>
-              <a:gd name="connsiteY2" fmla="*/ 0 h 6858000"/>
-              <a:gd name="connsiteX3" fmla="*/ 6885325 w 6885325"/>
-              <a:gd name="connsiteY3" fmla="*/ 0 h 6858000"/>
-              <a:gd name="connsiteX4" fmla="*/ 6885325 w 6885325"/>
-              <a:gd name="connsiteY4" fmla="*/ 1545581 h 6858000"/>
-              <a:gd name="connsiteX5" fmla="*/ 6885324 w 6885325"/>
-              <a:gd name="connsiteY5" fmla="*/ 1545582 h 6858000"/>
-              <a:gd name="connsiteX6" fmla="*/ 6885324 w 6885325"/>
-              <a:gd name="connsiteY6" fmla="*/ 4070877 h 6858000"/>
-              <a:gd name="connsiteX7" fmla="*/ 6885325 w 6885325"/>
-              <a:gd name="connsiteY7" fmla="*/ 4070876 h 6858000"/>
-              <a:gd name="connsiteX8" fmla="*/ 6885325 w 6885325"/>
-              <a:gd name="connsiteY8" fmla="*/ 6857999 h 6858000"/>
-              <a:gd name="connsiteX9" fmla="*/ 4456884 w 6885325"/>
-              <a:gd name="connsiteY9" fmla="*/ 6857999 h 6858000"/>
-              <a:gd name="connsiteX0" fmla="*/ 6885325 w 6885325"/>
-              <a:gd name="connsiteY0" fmla="*/ 6857999 h 6858000"/>
-              <a:gd name="connsiteX1" fmla="*/ 0 w 6885325"/>
-              <a:gd name="connsiteY1" fmla="*/ 6858000 h 6858000"/>
-              <a:gd name="connsiteX2" fmla="*/ 6010592 w 6885325"/>
-              <a:gd name="connsiteY2" fmla="*/ 0 h 6858000"/>
-              <a:gd name="connsiteX3" fmla="*/ 6885325 w 6885325"/>
-              <a:gd name="connsiteY3" fmla="*/ 0 h 6858000"/>
-              <a:gd name="connsiteX4" fmla="*/ 6885325 w 6885325"/>
-              <a:gd name="connsiteY4" fmla="*/ 1545581 h 6858000"/>
-              <a:gd name="connsiteX5" fmla="*/ 6885324 w 6885325"/>
-              <a:gd name="connsiteY5" fmla="*/ 1545582 h 6858000"/>
-              <a:gd name="connsiteX6" fmla="*/ 6885324 w 6885325"/>
-              <a:gd name="connsiteY6" fmla="*/ 4070877 h 6858000"/>
-              <a:gd name="connsiteX7" fmla="*/ 6885325 w 6885325"/>
-              <a:gd name="connsiteY7" fmla="*/ 4070876 h 6858000"/>
-              <a:gd name="connsiteX8" fmla="*/ 6885325 w 6885325"/>
-              <a:gd name="connsiteY8" fmla="*/ 6857999 h 6858000"/>
-              <a:gd name="connsiteX0" fmla="*/ 6885325 w 6885325"/>
-              <a:gd name="connsiteY0" fmla="*/ 6857999 h 6858000"/>
-              <a:gd name="connsiteX1" fmla="*/ 0 w 6885325"/>
-              <a:gd name="connsiteY1" fmla="*/ 6858000 h 6858000"/>
-              <a:gd name="connsiteX2" fmla="*/ 6010592 w 6885325"/>
-              <a:gd name="connsiteY2" fmla="*/ 0 h 6858000"/>
-              <a:gd name="connsiteX3" fmla="*/ 6885325 w 6885325"/>
-              <a:gd name="connsiteY3" fmla="*/ 0 h 6858000"/>
-              <a:gd name="connsiteX4" fmla="*/ 6885325 w 6885325"/>
-              <a:gd name="connsiteY4" fmla="*/ 1545581 h 6858000"/>
-              <a:gd name="connsiteX5" fmla="*/ 6885324 w 6885325"/>
-              <a:gd name="connsiteY5" fmla="*/ 1545582 h 6858000"/>
-              <a:gd name="connsiteX6" fmla="*/ 6885324 w 6885325"/>
-              <a:gd name="connsiteY6" fmla="*/ 4070877 h 6858000"/>
-              <a:gd name="connsiteX7" fmla="*/ 6885325 w 6885325"/>
-              <a:gd name="connsiteY7" fmla="*/ 6857999 h 6858000"/>
-              <a:gd name="connsiteX0" fmla="*/ 6885325 w 6885325"/>
-              <a:gd name="connsiteY0" fmla="*/ 6857999 h 6858000"/>
-              <a:gd name="connsiteX1" fmla="*/ 0 w 6885325"/>
-              <a:gd name="connsiteY1" fmla="*/ 6858000 h 6858000"/>
-              <a:gd name="connsiteX2" fmla="*/ 6010592 w 6885325"/>
-              <a:gd name="connsiteY2" fmla="*/ 0 h 6858000"/>
-              <a:gd name="connsiteX3" fmla="*/ 6885325 w 6885325"/>
-              <a:gd name="connsiteY3" fmla="*/ 0 h 6858000"/>
-              <a:gd name="connsiteX4" fmla="*/ 6885325 w 6885325"/>
-              <a:gd name="connsiteY4" fmla="*/ 1545581 h 6858000"/>
-              <a:gd name="connsiteX5" fmla="*/ 6885324 w 6885325"/>
-              <a:gd name="connsiteY5" fmla="*/ 1545582 h 6858000"/>
-              <a:gd name="connsiteX6" fmla="*/ 6885325 w 6885325"/>
-              <a:gd name="connsiteY6" fmla="*/ 6857999 h 6858000"/>
-              <a:gd name="connsiteX0" fmla="*/ 6885325 w 6885325"/>
-              <a:gd name="connsiteY0" fmla="*/ 6857999 h 6858000"/>
-              <a:gd name="connsiteX1" fmla="*/ 0 w 6885325"/>
-              <a:gd name="connsiteY1" fmla="*/ 6858000 h 6858000"/>
-              <a:gd name="connsiteX2" fmla="*/ 6010592 w 6885325"/>
-              <a:gd name="connsiteY2" fmla="*/ 0 h 6858000"/>
-              <a:gd name="connsiteX3" fmla="*/ 6885325 w 6885325"/>
-              <a:gd name="connsiteY3" fmla="*/ 0 h 6858000"/>
-              <a:gd name="connsiteX4" fmla="*/ 6885325 w 6885325"/>
-              <a:gd name="connsiteY4" fmla="*/ 1545581 h 6858000"/>
-              <a:gd name="connsiteX5" fmla="*/ 6885325 w 6885325"/>
-              <a:gd name="connsiteY5" fmla="*/ 6857999 h 6858000"/>
-              <a:gd name="connsiteX0" fmla="*/ 6885325 w 6885325"/>
-              <a:gd name="connsiteY0" fmla="*/ 6857999 h 6858000"/>
-              <a:gd name="connsiteX1" fmla="*/ 0 w 6885325"/>
-              <a:gd name="connsiteY1" fmla="*/ 6858000 h 6858000"/>
-              <a:gd name="connsiteX2" fmla="*/ 6010592 w 6885325"/>
-              <a:gd name="connsiteY2" fmla="*/ 0 h 6858000"/>
-              <a:gd name="connsiteX3" fmla="*/ 6885325 w 6885325"/>
-              <a:gd name="connsiteY3" fmla="*/ 0 h 6858000"/>
-              <a:gd name="connsiteX4" fmla="*/ 6885325 w 6885325"/>
-              <a:gd name="connsiteY4" fmla="*/ 6857999 h 6858000"/>
+              <a:gd name="connsiteX0" fmla="*/ 0 w 6858000"/>
+              <a:gd name="connsiteY0" fmla="*/ 7143270 h 9113106"/>
+              <a:gd name="connsiteX1" fmla="*/ 0 w 6858000"/>
+              <a:gd name="connsiteY1" fmla="*/ 6878623 h 9113106"/>
+              <a:gd name="connsiteX2" fmla="*/ 1 w 6858000"/>
+              <a:gd name="connsiteY2" fmla="*/ 6878623 h 9113106"/>
+              <a:gd name="connsiteX3" fmla="*/ 0 w 6858000"/>
+              <a:gd name="connsiteY3" fmla="*/ 4319945 h 9113106"/>
+              <a:gd name="connsiteX4" fmla="*/ 1 w 6858000"/>
+              <a:gd name="connsiteY4" fmla="*/ 4319945 h 9113106"/>
+              <a:gd name="connsiteX5" fmla="*/ 1 w 6858000"/>
+              <a:gd name="connsiteY5" fmla="*/ 13542 h 9113106"/>
+              <a:gd name="connsiteX6" fmla="*/ 0 w 6858000"/>
+              <a:gd name="connsiteY6" fmla="*/ 13540 h 9113106"/>
+              <a:gd name="connsiteX7" fmla="*/ 0 w 6858000"/>
+              <a:gd name="connsiteY7" fmla="*/ 0 h 9113106"/>
+              <a:gd name="connsiteX8" fmla="*/ 6858000 w 6858000"/>
+              <a:gd name="connsiteY8" fmla="*/ 6010591 h 9113106"/>
+              <a:gd name="connsiteX9" fmla="*/ 6858000 w 6858000"/>
+              <a:gd name="connsiteY9" fmla="*/ 3794798 h 9113106"/>
+              <a:gd name="connsiteX10" fmla="*/ 6858000 w 6858000"/>
+              <a:gd name="connsiteY10" fmla="*/ 3794798 h 9113106"/>
+              <a:gd name="connsiteX11" fmla="*/ 6858000 w 6858000"/>
+              <a:gd name="connsiteY11" fmla="*/ 3837120 h 9113106"/>
+              <a:gd name="connsiteX12" fmla="*/ 6858000 w 6858000"/>
+              <a:gd name="connsiteY12" fmla="*/ 6838049 h 9113106"/>
+              <a:gd name="connsiteX13" fmla="*/ 6858000 w 6858000"/>
+              <a:gd name="connsiteY13" fmla="*/ 9113106 h 9113106"/>
+              <a:gd name="connsiteX14" fmla="*/ 1 w 6858000"/>
+              <a:gd name="connsiteY14" fmla="*/ 9113106 h 9113106"/>
+              <a:gd name="connsiteX15" fmla="*/ 1 w 6858000"/>
+              <a:gd name="connsiteY15" fmla="*/ 7143270 h 9113106"/>
             </a:gdLst>
             <a:ahLst/>
             <a:cxnLst>
@@ -5732,24 +5559,432 @@
               <a:cxn ang="0">
                 <a:pos x="connsiteX4" y="connsiteY4"/>
               </a:cxn>
+              <a:cxn ang="0">
+                <a:pos x="connsiteX5" y="connsiteY5"/>
+              </a:cxn>
+              <a:cxn ang="0">
+                <a:pos x="connsiteX6" y="connsiteY6"/>
+              </a:cxn>
+              <a:cxn ang="0">
+                <a:pos x="connsiteX7" y="connsiteY7"/>
+              </a:cxn>
+              <a:cxn ang="0">
+                <a:pos x="connsiteX8" y="connsiteY8"/>
+              </a:cxn>
+              <a:cxn ang="0">
+                <a:pos x="connsiteX9" y="connsiteY9"/>
+              </a:cxn>
+              <a:cxn ang="0">
+                <a:pos x="connsiteX10" y="connsiteY10"/>
+              </a:cxn>
+              <a:cxn ang="0">
+                <a:pos x="connsiteX11" y="connsiteY11"/>
+              </a:cxn>
+              <a:cxn ang="0">
+                <a:pos x="connsiteX12" y="connsiteY12"/>
+              </a:cxn>
+              <a:cxn ang="0">
+                <a:pos x="connsiteX13" y="connsiteY13"/>
+              </a:cxn>
+              <a:cxn ang="0">
+                <a:pos x="connsiteX14" y="connsiteY14"/>
+              </a:cxn>
+              <a:cxn ang="0">
+                <a:pos x="connsiteX15" y="connsiteY15"/>
+              </a:cxn>
             </a:cxnLst>
             <a:rect l="l" t="t" r="r" b="b"/>
             <a:pathLst>
-              <a:path w="6885325" h="6858000">
+              <a:path w="6858000" h="9113106">
                 <a:moveTo>
-                  <a:pt x="6885325" y="6857999"/>
+                  <a:pt x="0" y="7143270"/>
                 </a:moveTo>
                 <a:lnTo>
-                  <a:pt x="0" y="6858000"/>
+                  <a:pt x="0" y="6878623"/>
                 </a:lnTo>
                 <a:lnTo>
-                  <a:pt x="6010592" y="0"/>
+                  <a:pt x="1" y="6878623"/>
                 </a:lnTo>
                 <a:lnTo>
-                  <a:pt x="6885325" y="0"/>
+                  <a:pt x="0" y="4319945"/>
                 </a:lnTo>
                 <a:lnTo>
-                  <a:pt x="6885325" y="6857999"/>
+                  <a:pt x="1" y="4319945"/>
+                </a:lnTo>
+                <a:lnTo>
+                  <a:pt x="1" y="13542"/>
+                </a:lnTo>
+                <a:lnTo>
+                  <a:pt x="0" y="13540"/>
+                </a:lnTo>
+                <a:lnTo>
+                  <a:pt x="0" y="0"/>
+                </a:lnTo>
+                <a:lnTo>
+                  <a:pt x="6858000" y="6010591"/>
+                </a:lnTo>
+                <a:lnTo>
+                  <a:pt x="6858000" y="3794798"/>
+                </a:lnTo>
+                <a:lnTo>
+                  <a:pt x="6858000" y="3794798"/>
+                </a:lnTo>
+                <a:lnTo>
+                  <a:pt x="6858000" y="3837120"/>
+                </a:lnTo>
+                <a:lnTo>
+                  <a:pt x="6858000" y="6838049"/>
+                </a:lnTo>
+                <a:lnTo>
+                  <a:pt x="6858000" y="9113106"/>
+                </a:lnTo>
+                <a:lnTo>
+                  <a:pt x="1" y="9113106"/>
+                </a:lnTo>
+                <a:lnTo>
+                  <a:pt x="1" y="7143270"/>
+                </a:lnTo>
+                <a:close/>
+              </a:path>
+            </a:pathLst>
+          </a:custGeom>
+          <a:solidFill>
+            <a:srgbClr val="FFFFFF"/>
+          </a:solidFill>
+          <a:ln>
+            <a:noFill/>
+          </a:ln>
+        </p:spPr>
+        <p:style>
+          <a:lnRef idx="2">
+            <a:schemeClr val="accent1">
+              <a:shade val="50000"/>
+            </a:schemeClr>
+          </a:lnRef>
+          <a:fillRef idx="1">
+            <a:schemeClr val="accent1"/>
+          </a:fillRef>
+          <a:effectRef idx="0">
+            <a:schemeClr val="accent1"/>
+          </a:effectRef>
+          <a:fontRef idx="minor">
+            <a:schemeClr val="lt1"/>
+          </a:fontRef>
+        </p:style>
+        <p:txBody>
+          <a:bodyPr wrap="square" rtlCol="0" anchor="ctr">
+            <a:noAutofit/>
+          </a:bodyPr>
+          <a:lstStyle/>
+          <a:p>
+            <a:pPr algn="ctr"/>
+            <a:endParaRPr lang="en-US"/>
+          </a:p>
+        </p:txBody>
+      </p:sp>
+      <p:sp>
+        <p:nvSpPr>
+          <p:cNvPr id="2" name="Titel 1">
+            <a:extLst>
+              <a:ext uri="{FF2B5EF4-FFF2-40B4-BE49-F238E27FC236}">
+                <a16:creationId xmlns:a16="http://schemas.microsoft.com/office/drawing/2014/main" id="{7750BE6C-0C4C-5A8B-4F5F-32403392976D}"/>
+              </a:ext>
+            </a:extLst>
+          </p:cNvPr>
+          <p:cNvSpPr>
+            <a:spLocks noGrp="1"/>
+          </p:cNvSpPr>
+          <p:nvPr>
+            <p:ph type="title"/>
+          </p:nvPr>
+        </p:nvSpPr>
+        <p:spPr>
+          <a:xfrm>
+            <a:off x="5102157" y="4661939"/>
+            <a:ext cx="5946841" cy="1510261"/>
+          </a:xfrm>
+        </p:spPr>
+        <p:txBody>
+          <a:bodyPr anchor="b">
+            <a:normAutofit/>
+          </a:bodyPr>
+          <a:lstStyle/>
+          <a:p>
+            <a:pPr algn="r"/>
+            <a:r>
+              <a:rPr lang="de-DE"/>
+              <a:t>Herausforderungen</a:t>
+            </a:r>
+          </a:p>
+        </p:txBody>
+      </p:sp>
+      <p:pic>
+        <p:nvPicPr>
+          <p:cNvPr id="7" name="Grafik 6">
+            <a:extLst>
+              <a:ext uri="{FF2B5EF4-FFF2-40B4-BE49-F238E27FC236}">
+                <a16:creationId xmlns:a16="http://schemas.microsoft.com/office/drawing/2014/main" id="{1624EB2B-660F-84B4-3EB8-3DF0F3E08FE1}"/>
+              </a:ext>
+            </a:extLst>
+          </p:cNvPr>
+          <p:cNvPicPr>
+            <a:picLocks noChangeAspect="1"/>
+          </p:cNvPicPr>
+          <p:nvPr/>
+        </p:nvPicPr>
+        <p:blipFill>
+          <a:blip r:embed="rId2"/>
+          <a:stretch>
+            <a:fillRect/>
+          </a:stretch>
+        </p:blipFill>
+        <p:spPr>
+          <a:xfrm>
+            <a:off x="157669" y="811416"/>
+            <a:ext cx="7452758" cy="4099015"/>
+          </a:xfrm>
+          <a:prstGeom prst="rect">
+            <a:avLst/>
+          </a:prstGeom>
+        </p:spPr>
+      </p:pic>
+      <p:sp>
+        <p:nvSpPr>
+          <p:cNvPr id="3" name="Inhaltsplatzhalter 2">
+            <a:extLst>
+              <a:ext uri="{FF2B5EF4-FFF2-40B4-BE49-F238E27FC236}">
+                <a16:creationId xmlns:a16="http://schemas.microsoft.com/office/drawing/2014/main" id="{45341D8A-95F4-93B3-65FE-EACFBB3D45E6}"/>
+              </a:ext>
+            </a:extLst>
+          </p:cNvPr>
+          <p:cNvSpPr>
+            <a:spLocks noGrp="1"/>
+          </p:cNvSpPr>
+          <p:nvPr>
+            <p:ph idx="1"/>
+          </p:nvPr>
+        </p:nvSpPr>
+        <p:spPr>
+          <a:xfrm>
+            <a:off x="7610427" y="1299753"/>
+            <a:ext cx="3438573" cy="3122343"/>
+          </a:xfrm>
+        </p:spPr>
+        <p:txBody>
+          <a:bodyPr anchor="t">
+            <a:normAutofit/>
+          </a:bodyPr>
+          <a:lstStyle/>
+          <a:p>
+            <a:pPr algn="r"/>
+            <a:r>
+              <a:rPr lang="de-DE"/>
+              <a:t>Verschiedene APIs mit ungleichen Daten</a:t>
+            </a:r>
+          </a:p>
+          <a:p>
+            <a:pPr algn="r"/>
+            <a:r>
+              <a:rPr lang="de-DE"/>
+              <a:t>Wichtige Daten aus den Responses extrahieren</a:t>
+            </a:r>
+          </a:p>
+          <a:p>
+            <a:pPr algn="r"/>
+            <a:r>
+              <a:rPr lang="de-DE"/>
+              <a:t>Abspeicherung der Daten (keine Speicherung der gesamten Eintragsdaten)</a:t>
+            </a:r>
+          </a:p>
+          <a:p>
+            <a:pPr algn="r"/>
+            <a:endParaRPr lang="de-DE"/>
+          </a:p>
+        </p:txBody>
+      </p:sp>
+    </p:spTree>
+    <p:extLst>
+      <p:ext uri="{BB962C8B-B14F-4D97-AF65-F5344CB8AC3E}">
+        <p14:creationId xmlns:p14="http://schemas.microsoft.com/office/powerpoint/2010/main" val="39764193"/>
+      </p:ext>
+    </p:extLst>
+  </p:cSld>
+  <p:clrMapOvr>
+    <a:masterClrMapping/>
+  </p:clrMapOvr>
+</p:sld>
+</file>
+
+<file path=ppt/slides/slide7.xml><?xml version="1.0" encoding="utf-8"?>
+<p:sld xmlns:a="http://schemas.openxmlformats.org/drawingml/2006/main" xmlns:r="http://schemas.openxmlformats.org/officeDocument/2006/relationships" xmlns:p="http://schemas.openxmlformats.org/presentationml/2006/main">
+  <p:cSld>
+    <p:bg>
+      <p:bgPr>
+        <a:solidFill>
+          <a:schemeClr val="bg1"/>
+        </a:solidFill>
+        <a:effectLst/>
+      </p:bgPr>
+    </p:bg>
+    <p:spTree>
+      <p:nvGrpSpPr>
+        <p:cNvPr id="1" name=""/>
+        <p:cNvGrpSpPr/>
+        <p:nvPr/>
+      </p:nvGrpSpPr>
+      <p:grpSpPr>
+        <a:xfrm>
+          <a:off x="0" y="0"/>
+          <a:ext cx="0" cy="0"/>
+          <a:chOff x="0" y="0"/>
+          <a:chExt cx="0" cy="0"/>
+        </a:xfrm>
+      </p:grpSpPr>
+      <p:sp useBgFill="1">
+        <p:nvSpPr>
+          <p:cNvPr id="1042" name="Rectangle 1041">
+            <a:extLst>
+              <a:ext uri="{FF2B5EF4-FFF2-40B4-BE49-F238E27FC236}">
+                <a16:creationId xmlns:a16="http://schemas.microsoft.com/office/drawing/2014/main" id="{54F20867-41B0-484D-9DA7-0FC742D31A4D}"/>
+              </a:ext>
+              <a:ext uri="{C183D7F6-B498-43B3-948B-1728B52AA6E4}">
+                <adec:decorative xmlns:adec="http://schemas.microsoft.com/office/drawing/2017/decorative" val="1"/>
+              </a:ext>
+            </a:extLst>
+          </p:cNvPr>
+          <p:cNvSpPr>
+            <a:spLocks noGrp="1" noRot="1" noChangeAspect="1" noMove="1" noResize="1" noEditPoints="1" noAdjustHandles="1" noChangeArrowheads="1" noChangeShapeType="1" noTextEdit="1"/>
+          </p:cNvSpPr>
+          <p:nvPr>
+            <p:extLst>
+              <p:ext uri="{386F3935-93C4-4BCD-93E2-E3B085C9AB24}">
+                <p16:designElem xmlns:p16="http://schemas.microsoft.com/office/powerpoint/2015/main" val="1"/>
+              </p:ext>
+            </p:extLst>
+          </p:nvPr>
+        </p:nvSpPr>
+        <p:spPr>
+          <a:xfrm>
+            <a:off x="0" y="0"/>
+            <a:ext cx="12192000" cy="6858000"/>
+          </a:xfrm>
+          <a:prstGeom prst="rect">
+            <a:avLst/>
+          </a:prstGeom>
+          <a:ln w="12700" cap="flat" cmpd="sng" algn="ctr">
+            <a:noFill/>
+            <a:prstDash val="solid"/>
+            <a:miter lim="800000"/>
+          </a:ln>
+          <a:effectLst/>
+          <a:extLst>
+            <a:ext uri="{91240B29-F687-4F45-9708-019B960494DF}">
+              <a14:hiddenLine xmlns:a14="http://schemas.microsoft.com/office/drawing/2010/main" w="12700" cap="flat" cmpd="sng" algn="ctr">
+                <a:solidFill>
+                  <a:schemeClr val="accent1">
+                    <a:shade val="50000"/>
+                  </a:schemeClr>
+                </a:solidFill>
+                <a:prstDash val="solid"/>
+                <a:miter lim="800000"/>
+              </a14:hiddenLine>
+            </a:ext>
+          </a:extLst>
+        </p:spPr>
+        <p:style>
+          <a:lnRef idx="2">
+            <a:schemeClr val="accent1">
+              <a:shade val="50000"/>
+            </a:schemeClr>
+          </a:lnRef>
+          <a:fillRef idx="1">
+            <a:schemeClr val="accent1"/>
+          </a:fillRef>
+          <a:effectRef idx="0">
+            <a:schemeClr val="accent1"/>
+          </a:effectRef>
+          <a:fontRef idx="minor">
+            <a:schemeClr val="lt1"/>
+          </a:fontRef>
+        </p:style>
+        <p:txBody>
+          <a:bodyPr rtlCol="0" anchor="ctr"/>
+          <a:lstStyle/>
+          <a:p>
+            <a:pPr algn="ctr"/>
+            <a:endParaRPr lang="en-US"/>
+          </a:p>
+        </p:txBody>
+      </p:sp>
+      <p:sp>
+        <p:nvSpPr>
+          <p:cNvPr id="1044" name="Freeform: Shape 1043">
+            <a:extLst>
+              <a:ext uri="{FF2B5EF4-FFF2-40B4-BE49-F238E27FC236}">
+                <a16:creationId xmlns:a16="http://schemas.microsoft.com/office/drawing/2014/main" id="{2712B839-088B-4F97-96A4-6FAA8E3D1D63}"/>
+              </a:ext>
+              <a:ext uri="{C183D7F6-B498-43B3-948B-1728B52AA6E4}">
+                <adec:decorative xmlns:adec="http://schemas.microsoft.com/office/drawing/2017/decorative" val="1"/>
+              </a:ext>
+            </a:extLst>
+          </p:cNvPr>
+          <p:cNvSpPr>
+            <a:spLocks noGrp="1" noRot="1" noChangeAspect="1" noMove="1" noResize="1" noEditPoints="1" noAdjustHandles="1" noChangeArrowheads="1" noChangeShapeType="1" noTextEdit="1"/>
+          </p:cNvSpPr>
+          <p:nvPr>
+            <p:extLst>
+              <p:ext uri="{386F3935-93C4-4BCD-93E2-E3B085C9AB24}">
+                <p16:designElem xmlns:p16="http://schemas.microsoft.com/office/powerpoint/2015/main" val="1"/>
+              </p:ext>
+            </p:extLst>
+          </p:nvPr>
+        </p:nvSpPr>
+        <p:spPr>
+          <a:xfrm>
+            <a:off x="3073870" y="-2"/>
+            <a:ext cx="8239927" cy="6858000"/>
+          </a:xfrm>
+          <a:custGeom>
+            <a:avLst/>
+            <a:gdLst>
+              <a:gd name="connsiteX0" fmla="*/ 6010593 w 8239927"/>
+              <a:gd name="connsiteY0" fmla="*/ 0 h 6858000"/>
+              <a:gd name="connsiteX1" fmla="*/ 8239927 w 8239927"/>
+              <a:gd name="connsiteY1" fmla="*/ 0 h 6858000"/>
+              <a:gd name="connsiteX2" fmla="*/ 2229335 w 8239927"/>
+              <a:gd name="connsiteY2" fmla="*/ 6858000 h 6858000"/>
+              <a:gd name="connsiteX3" fmla="*/ 0 w 8239927"/>
+              <a:gd name="connsiteY3" fmla="*/ 6858000 h 6858000"/>
+            </a:gdLst>
+            <a:ahLst/>
+            <a:cxnLst>
+              <a:cxn ang="0">
+                <a:pos x="connsiteX0" y="connsiteY0"/>
+              </a:cxn>
+              <a:cxn ang="0">
+                <a:pos x="connsiteX1" y="connsiteY1"/>
+              </a:cxn>
+              <a:cxn ang="0">
+                <a:pos x="connsiteX2" y="connsiteY2"/>
+              </a:cxn>
+              <a:cxn ang="0">
+                <a:pos x="connsiteX3" y="connsiteY3"/>
+              </a:cxn>
+            </a:cxnLst>
+            <a:rect l="l" t="t" r="r" b="b"/>
+            <a:pathLst>
+              <a:path w="8239927" h="6858000">
+                <a:moveTo>
+                  <a:pt x="6010593" y="0"/>
+                </a:moveTo>
+                <a:lnTo>
+                  <a:pt x="8239927" y="0"/>
+                </a:lnTo>
+                <a:lnTo>
+                  <a:pt x="2229335" y="6858000"/>
+                </a:lnTo>
+                <a:lnTo>
+                  <a:pt x="0" y="6858000"/>
                 </a:lnTo>
                 <a:close/>
               </a:path>
@@ -5782,6 +6017,147 @@
           </a:fontRef>
         </p:style>
         <p:txBody>
+          <a:bodyPr rtlCol="0" anchor="ctr"/>
+          <a:lstStyle/>
+          <a:p>
+            <a:pPr algn="ctr"/>
+            <a:endParaRPr lang="en-US"/>
+          </a:p>
+        </p:txBody>
+      </p:sp>
+      <p:sp>
+        <p:nvSpPr>
+          <p:cNvPr id="1046" name="Freeform: Shape 1045">
+            <a:extLst>
+              <a:ext uri="{FF2B5EF4-FFF2-40B4-BE49-F238E27FC236}">
+                <a16:creationId xmlns:a16="http://schemas.microsoft.com/office/drawing/2014/main" id="{789BAF08-0AD0-4642-9767-4D53853C5976}"/>
+              </a:ext>
+              <a:ext uri="{C183D7F6-B498-43B3-948B-1728B52AA6E4}">
+                <adec:decorative xmlns:adec="http://schemas.microsoft.com/office/drawing/2017/decorative" val="1"/>
+              </a:ext>
+            </a:extLst>
+          </p:cNvPr>
+          <p:cNvSpPr>
+            <a:spLocks noGrp="1" noRot="1" noChangeAspect="1" noMove="1" noResize="1" noEditPoints="1" noAdjustHandles="1" noChangeArrowheads="1" noChangeShapeType="1" noTextEdit="1"/>
+          </p:cNvSpPr>
+          <p:nvPr>
+            <p:extLst>
+              <p:ext uri="{386F3935-93C4-4BCD-93E2-E3B085C9AB24}">
+                <p16:designElem xmlns:p16="http://schemas.microsoft.com/office/powerpoint/2015/main" val="1"/>
+              </p:ext>
+            </p:extLst>
+          </p:nvPr>
+        </p:nvSpPr>
+        <p:spPr>
+          <a:xfrm>
+            <a:off x="5299527" y="0"/>
+            <a:ext cx="6899617" cy="6858000"/>
+          </a:xfrm>
+          <a:custGeom>
+            <a:avLst/>
+            <a:gdLst>
+              <a:gd name="connsiteX0" fmla="*/ 6010592 w 6899617"/>
+              <a:gd name="connsiteY0" fmla="*/ 0 h 6858000"/>
+              <a:gd name="connsiteX1" fmla="*/ 6036517 w 6899617"/>
+              <a:gd name="connsiteY1" fmla="*/ 0 h 6858000"/>
+              <a:gd name="connsiteX2" fmla="*/ 6899617 w 6899617"/>
+              <a:gd name="connsiteY2" fmla="*/ 0 h 6858000"/>
+              <a:gd name="connsiteX3" fmla="*/ 6899617 w 6899617"/>
+              <a:gd name="connsiteY3" fmla="*/ 1529274 h 6858000"/>
+              <a:gd name="connsiteX4" fmla="*/ 6899617 w 6899617"/>
+              <a:gd name="connsiteY4" fmla="*/ 6858000 h 6858000"/>
+              <a:gd name="connsiteX5" fmla="*/ 2229334 w 6899617"/>
+              <a:gd name="connsiteY5" fmla="*/ 6858000 h 6858000"/>
+              <a:gd name="connsiteX6" fmla="*/ 25925 w 6899617"/>
+              <a:gd name="connsiteY6" fmla="*/ 6858000 h 6858000"/>
+              <a:gd name="connsiteX7" fmla="*/ 0 w 6899617"/>
+              <a:gd name="connsiteY7" fmla="*/ 6858000 h 6858000"/>
+            </a:gdLst>
+            <a:ahLst/>
+            <a:cxnLst>
+              <a:cxn ang="0">
+                <a:pos x="connsiteX0" y="connsiteY0"/>
+              </a:cxn>
+              <a:cxn ang="0">
+                <a:pos x="connsiteX1" y="connsiteY1"/>
+              </a:cxn>
+              <a:cxn ang="0">
+                <a:pos x="connsiteX2" y="connsiteY2"/>
+              </a:cxn>
+              <a:cxn ang="0">
+                <a:pos x="connsiteX3" y="connsiteY3"/>
+              </a:cxn>
+              <a:cxn ang="0">
+                <a:pos x="connsiteX4" y="connsiteY4"/>
+              </a:cxn>
+              <a:cxn ang="0">
+                <a:pos x="connsiteX5" y="connsiteY5"/>
+              </a:cxn>
+              <a:cxn ang="0">
+                <a:pos x="connsiteX6" y="connsiteY6"/>
+              </a:cxn>
+              <a:cxn ang="0">
+                <a:pos x="connsiteX7" y="connsiteY7"/>
+              </a:cxn>
+            </a:cxnLst>
+            <a:rect l="l" t="t" r="r" b="b"/>
+            <a:pathLst>
+              <a:path w="6899617" h="6858000">
+                <a:moveTo>
+                  <a:pt x="6010592" y="0"/>
+                </a:moveTo>
+                <a:lnTo>
+                  <a:pt x="6036517" y="0"/>
+                </a:lnTo>
+                <a:lnTo>
+                  <a:pt x="6899617" y="0"/>
+                </a:lnTo>
+                <a:lnTo>
+                  <a:pt x="6899617" y="1529274"/>
+                </a:lnTo>
+                <a:lnTo>
+                  <a:pt x="6899617" y="6858000"/>
+                </a:lnTo>
+                <a:lnTo>
+                  <a:pt x="2229334" y="6858000"/>
+                </a:lnTo>
+                <a:lnTo>
+                  <a:pt x="25925" y="6858000"/>
+                </a:lnTo>
+                <a:lnTo>
+                  <a:pt x="0" y="6858000"/>
+                </a:lnTo>
+                <a:close/>
+              </a:path>
+            </a:pathLst>
+          </a:custGeom>
+          <a:solidFill>
+            <a:srgbClr val="FFFFFF"/>
+          </a:solidFill>
+          <a:ln w="12700" cap="flat" cmpd="sng" algn="ctr">
+            <a:noFill/>
+            <a:prstDash val="solid"/>
+            <a:miter lim="800000"/>
+          </a:ln>
+          <a:effectLst/>
+        </p:spPr>
+        <p:style>
+          <a:lnRef idx="2">
+            <a:schemeClr val="accent1">
+              <a:shade val="50000"/>
+            </a:schemeClr>
+          </a:lnRef>
+          <a:fillRef idx="1">
+            <a:schemeClr val="accent1"/>
+          </a:fillRef>
+          <a:effectRef idx="0">
+            <a:schemeClr val="accent1"/>
+          </a:effectRef>
+          <a:fontRef idx="minor">
+            <a:schemeClr val="lt1"/>
+          </a:fontRef>
+        </p:style>
+        <p:txBody>
           <a:bodyPr wrap="square" rtlCol="0" anchor="ctr">
             <a:noAutofit/>
           </a:bodyPr>
@@ -5810,12 +6186,12 @@
         </p:nvSpPr>
         <p:spPr>
           <a:xfrm>
-            <a:off x="1143001" y="1181100"/>
-            <a:ext cx="3894412" cy="1916773"/>
+            <a:off x="1143000" y="872937"/>
+            <a:ext cx="5888182" cy="1360898"/>
           </a:xfrm>
         </p:spPr>
         <p:txBody>
-          <a:bodyPr anchor="t">
+          <a:bodyPr>
             <a:normAutofit/>
           </a:bodyPr>
           <a:lstStyle/>
@@ -5827,12 +6203,65 @@
           </a:p>
         </p:txBody>
       </p:sp>
+      <p:sp>
+        <p:nvSpPr>
+          <p:cNvPr id="3" name="Inhaltsplatzhalter 2">
+            <a:extLst>
+              <a:ext uri="{FF2B5EF4-FFF2-40B4-BE49-F238E27FC236}">
+                <a16:creationId xmlns:a16="http://schemas.microsoft.com/office/drawing/2014/main" id="{0236BE89-822B-2D99-03E3-A6DC9700B2F2}"/>
+              </a:ext>
+            </a:extLst>
+          </p:cNvPr>
+          <p:cNvSpPr>
+            <a:spLocks noGrp="1"/>
+          </p:cNvSpPr>
+          <p:nvPr>
+            <p:ph idx="1"/>
+          </p:nvPr>
+        </p:nvSpPr>
+        <p:spPr>
+          <a:xfrm>
+            <a:off x="1143000" y="2332028"/>
+            <a:ext cx="4544367" cy="3840172"/>
+          </a:xfrm>
+        </p:spPr>
+        <p:txBody>
+          <a:bodyPr>
+            <a:normAutofit/>
+          </a:bodyPr>
+          <a:lstStyle/>
+          <a:p>
+            <a:r>
+              <a:rPr lang="de-DE" dirty="0"/>
+              <a:t>Fehlerbehebung/Verbesserungen</a:t>
+            </a:r>
+          </a:p>
+          <a:p>
+            <a:r>
+              <a:rPr lang="de-DE" dirty="0"/>
+              <a:t>Einbindung von Film API</a:t>
+            </a:r>
+          </a:p>
+          <a:p>
+            <a:r>
+              <a:rPr lang="de-DE" dirty="0"/>
+              <a:t>Speicherung von Filmen</a:t>
+            </a:r>
+          </a:p>
+          <a:p>
+            <a:r>
+              <a:rPr lang="de-DE" dirty="0"/>
+              <a:t>Evtl. Empfehlungssystem</a:t>
+            </a:r>
+          </a:p>
+        </p:txBody>
+      </p:sp>
       <p:pic>
         <p:nvPicPr>
-          <p:cNvPr id="1028" name="Picture 4" descr="undefined">
-            <a:extLst>
-              <a:ext uri="{FF2B5EF4-FFF2-40B4-BE49-F238E27FC236}">
-                <a16:creationId xmlns:a16="http://schemas.microsoft.com/office/drawing/2014/main" id="{DEB39E16-CD82-AD22-F866-65CEFA169AB9}"/>
+          <p:cNvPr id="1026" name="Picture 2" descr="What is Firebase? The complete story, abridged. | by Doug Stevenson |  Firebase Developers | Medium">
+            <a:extLst>
+              <a:ext uri="{FF2B5EF4-FFF2-40B4-BE49-F238E27FC236}">
+                <a16:creationId xmlns:a16="http://schemas.microsoft.com/office/drawing/2014/main" id="{D2234015-1C0B-8A68-0CCB-F4A66728522E}"/>
               </a:ext>
             </a:extLst>
           </p:cNvPr>
@@ -5855,8 +6284,8 @@
         </p:blipFill>
         <p:spPr bwMode="auto">
           <a:xfrm>
-            <a:off x="6780082" y="1271654"/>
-            <a:ext cx="3584835" cy="1810342"/>
+            <a:off x="9355264" y="2915566"/>
+            <a:ext cx="1569048" cy="1569048"/>
           </a:xfrm>
           <a:prstGeom prst="rect">
             <a:avLst/>
@@ -5873,119 +6302,52 @@
           </a:extLst>
         </p:spPr>
       </p:pic>
-      <p:sp>
-        <p:nvSpPr>
-          <p:cNvPr id="3" name="Inhaltsplatzhalter 2">
-            <a:extLst>
-              <a:ext uri="{FF2B5EF4-FFF2-40B4-BE49-F238E27FC236}">
-                <a16:creationId xmlns:a16="http://schemas.microsoft.com/office/drawing/2014/main" id="{0236BE89-822B-2D99-03E3-A6DC9700B2F2}"/>
-              </a:ext>
-            </a:extLst>
-          </p:cNvPr>
-          <p:cNvSpPr>
-            <a:spLocks noGrp="1"/>
-          </p:cNvSpPr>
-          <p:nvPr>
-            <p:ph idx="1"/>
-          </p:nvPr>
-        </p:nvSpPr>
-        <p:spPr>
+      <p:pic>
+        <p:nvPicPr>
+          <p:cNvPr id="1028" name="Picture 4" descr="undefined">
+            <a:extLst>
+              <a:ext uri="{FF2B5EF4-FFF2-40B4-BE49-F238E27FC236}">
+                <a16:creationId xmlns:a16="http://schemas.microsoft.com/office/drawing/2014/main" id="{DEB39E16-CD82-AD22-F866-65CEFA169AB9}"/>
+              </a:ext>
+            </a:extLst>
+          </p:cNvPr>
+          <p:cNvPicPr>
+            <a:picLocks noChangeAspect="1" noChangeArrowheads="1"/>
+          </p:cNvPicPr>
+          <p:nvPr/>
+        </p:nvPicPr>
+        <p:blipFill>
+          <a:blip r:embed="rId3">
+            <a:extLst>
+              <a:ext uri="{28A0092B-C50C-407E-A947-70E740481C1C}">
+                <a14:useLocalDpi xmlns:a14="http://schemas.microsoft.com/office/drawing/2010/main" val="0"/>
+              </a:ext>
+            </a:extLst>
+          </a:blip>
+          <a:stretch>
+            <a:fillRect/>
+          </a:stretch>
+        </p:blipFill>
+        <p:spPr bwMode="auto">
           <a:xfrm>
-            <a:off x="5453548" y="3362266"/>
-            <a:ext cx="5595452" cy="2352733"/>
+            <a:off x="8731045" y="4718593"/>
+            <a:ext cx="2817487" cy="1422831"/>
           </a:xfrm>
-        </p:spPr>
-        <p:txBody>
-          <a:bodyPr anchor="b">
-            <a:normAutofit/>
-          </a:bodyPr>
-          <a:lstStyle/>
-          <a:p>
-            <a:pPr algn="r"/>
-            <a:r>
-              <a:rPr lang="de-DE" dirty="0"/>
-              <a:t>Fehlerbehebung</a:t>
-            </a:r>
-            <a:endParaRPr lang="de-DE"/>
-          </a:p>
-          <a:p>
-            <a:pPr algn="r"/>
-            <a:r>
-              <a:rPr lang="de-DE" dirty="0"/>
-              <a:t>Einbindung von Film API</a:t>
-            </a:r>
-            <a:endParaRPr lang="de-DE"/>
-          </a:p>
-          <a:p>
-            <a:pPr algn="r"/>
-            <a:r>
-              <a:rPr lang="de-DE" dirty="0"/>
-              <a:t>Speicherung von Filmen</a:t>
-            </a:r>
-            <a:endParaRPr lang="de-DE"/>
-          </a:p>
-          <a:p>
-            <a:pPr algn="r"/>
-            <a:r>
-              <a:rPr lang="de-DE" dirty="0"/>
-              <a:t>(Empfehlungssystem)</a:t>
-            </a:r>
-            <a:endParaRPr lang="de-DE"/>
-          </a:p>
-        </p:txBody>
-      </p:sp>
-      <p:cxnSp>
-        <p:nvCxnSpPr>
-          <p:cNvPr id="1037" name="Straight Connector 1036">
-            <a:extLst>
-              <a:ext uri="{FF2B5EF4-FFF2-40B4-BE49-F238E27FC236}">
-                <a16:creationId xmlns:a16="http://schemas.microsoft.com/office/drawing/2014/main" id="{1766FD2F-248A-4AA1-8078-E26D6E690BB9}"/>
-              </a:ext>
-              <a:ext uri="{C183D7F6-B498-43B3-948B-1728B52AA6E4}">
-                <adec:decorative xmlns:adec="http://schemas.microsoft.com/office/drawing/2017/decorative" val="1"/>
-              </a:ext>
-            </a:extLst>
-          </p:cNvPr>
-          <p:cNvCxnSpPr>
-            <a:cxnSpLocks noGrp="1" noRot="1" noChangeAspect="1" noMove="1" noResize="1" noEditPoints="1" noAdjustHandles="1" noChangeArrowheads="1" noChangeShapeType="1"/>
-          </p:cNvCxnSpPr>
-          <p:nvPr>
-            <p:extLst>
-              <p:ext uri="{386F3935-93C4-4BCD-93E2-E3B085C9AB24}">
-                <p16:designElem xmlns:p16="http://schemas.microsoft.com/office/powerpoint/2015/main" val="1"/>
-              </p:ext>
-            </p:extLst>
-          </p:nvPr>
-        </p:nvCxnSpPr>
-        <p:spPr>
-          <a:xfrm>
-            <a:off x="1233837" y="6172200"/>
-            <a:ext cx="9760638" cy="0"/>
-          </a:xfrm>
-          <a:prstGeom prst="line">
+          <a:prstGeom prst="rect">
             <a:avLst/>
           </a:prstGeom>
-          <a:ln w="12700">
-            <a:solidFill>
-              <a:schemeClr val="tx1"/>
-            </a:solidFill>
-          </a:ln>
+          <a:noFill/>
+          <a:extLst>
+            <a:ext uri="{909E8E84-426E-40DD-AFC4-6F175D3DCCD1}">
+              <a14:hiddenFill xmlns:a14="http://schemas.microsoft.com/office/drawing/2010/main">
+                <a:solidFill>
+                  <a:srgbClr val="FFFFFF"/>
+                </a:solidFill>
+              </a14:hiddenFill>
+            </a:ext>
+          </a:extLst>
         </p:spPr>
-        <p:style>
-          <a:lnRef idx="1">
-            <a:schemeClr val="accent1"/>
-          </a:lnRef>
-          <a:fillRef idx="0">
-            <a:schemeClr val="accent1"/>
-          </a:fillRef>
-          <a:effectRef idx="0">
-            <a:schemeClr val="accent1"/>
-          </a:effectRef>
-          <a:fontRef idx="minor">
-            <a:schemeClr val="tx1"/>
-          </a:fontRef>
-        </p:style>
-      </p:cxnSp>
+      </p:pic>
     </p:spTree>
     <p:extLst>
       <p:ext uri="{BB962C8B-B14F-4D97-AF65-F5344CB8AC3E}">

--- a/ScreenTale/Projektmanagement/Projekt Präsentationen/ScreenTale Zwischenpräsentation _14_02_2024.pptx
+++ b/ScreenTale/Projektmanagement/Projekt Präsentationen/ScreenTale Zwischenpräsentation _14_02_2024.pptx
@@ -5324,19 +5324,19 @@
           <a:lstStyle/>
           <a:p>
             <a:r>
-              <a:rPr lang="de-DE"/>
+              <a:rPr lang="de-DE" dirty="0"/>
               <a:t>Login funktioniert</a:t>
             </a:r>
           </a:p>
           <a:p>
             <a:r>
-              <a:rPr lang="de-DE"/>
+              <a:rPr lang="de-DE" dirty="0"/>
               <a:t>Vorschläge von Bestsellern</a:t>
             </a:r>
           </a:p>
           <a:p>
             <a:r>
-              <a:rPr lang="de-DE"/>
+              <a:rPr lang="de-DE" dirty="0"/>
               <a:t>Suchfunktion für Bücher</a:t>
             </a:r>
           </a:p>
@@ -5348,13 +5348,13 @@
           </a:p>
           <a:p>
             <a:r>
-              <a:rPr lang="de-DE"/>
+              <a:rPr lang="de-DE" dirty="0"/>
               <a:t>Anzeigen der eigenen Bibliothek</a:t>
             </a:r>
             <a:br>
-              <a:rPr lang="de-DE"/>
+              <a:rPr lang="de-DE" dirty="0"/>
             </a:br>
-            <a:endParaRPr lang="de-DE"/>
+            <a:endParaRPr lang="de-DE" dirty="0"/>
           </a:p>
           <a:p>
             <a:pPr marL="0" indent="0">
